--- a/apresentacoes/foco-produtividade/aula-28-ultra-aprendizado.pptx
+++ b/apresentacoes/foco-produtividade/aula-28-ultra-aprendizado.pptx
@@ -1286,62 +1286,6 @@
 </p:sldLayout>
 </file>
 
-<file path=ppt/slideLayouts/slideLayout2.xml><?xml version="1.0" encoding="utf-8"?>
-<p:sldLayout xmlns:a="http://schemas.openxmlformats.org/drawingml/2006/main" xmlns:r="http://schemas.openxmlformats.org/officeDocument/2006/relationships" xmlns:p="http://schemas.openxmlformats.org/presentationml/2006/main" preserve="1">
-  <p:cSld name="MASTER">
-    <p:bg>
-      <p:bgPr>
-        <a:solidFill>
-          <a:srgbClr val="1A1A2E"/>
-        </a:solidFill>
-      </p:bgPr>
-    </p:bg>
-    <p:spTree>
-      <p:nvGrpSpPr>
-        <p:cNvPr id="1" name=""/>
-        <p:cNvGrpSpPr/>
-        <p:nvPr/>
-      </p:nvGrpSpPr>
-      <p:grpSpPr>
-        <a:xfrm>
-          <a:off x="0" y="0"/>
-          <a:ext cx="0" cy="0"/>
-          <a:chOff x="0" y="0"/>
-          <a:chExt cx="0" cy="0"/>
-        </a:xfrm>
-      </p:grpSpPr>
-      <p:pic>
-        <p:nvPicPr>
-          <p:cNvPr id="2" name="Image 0" descr="preencoded.png">    </p:cNvPr>
-          <p:cNvPicPr>
-            <a:picLocks noChangeAspect="1"/>
-          </p:cNvPicPr>
-          <p:nvPr/>
-        </p:nvPicPr>
-        <p:blipFill>
-          <a:blip r:embed="rId1"/>
-          <a:stretch>
-            <a:fillRect/>
-          </a:stretch>
-        </p:blipFill>
-        <p:spPr>
-          <a:xfrm>
-            <a:off x="274320" y="182880"/>
-            <a:ext cx="1097280" cy="457200"/>
-          </a:xfrm>
-          <a:prstGeom prst="rect">
-            <a:avLst/>
-          </a:prstGeom>
-        </p:spPr>
-      </p:pic>
-    </p:spTree>
-  </p:cSld>
-  <p:clrMapOvr>
-    <a:masterClrMapping/>
-  </p:clrMapOvr>
-</p:sldLayout>
-</file>
-
 <file path=ppt/slideMasters/slideMaster1.xml><?xml version="1.0" encoding="utf-8"?>
 <p:sldMaster xmlns:a="http://schemas.openxmlformats.org/drawingml/2006/main" xmlns:r="http://schemas.openxmlformats.org/officeDocument/2006/relationships" xmlns:p="http://schemas.openxmlformats.org/presentationml/2006/main">
   <p:cSld>
@@ -1364,7 +1308,6 @@
   <p:clrMap bg1="lt1" tx1="dk1" bg2="lt2" tx2="dk2" accent1="accent1" accent2="accent2" accent3="accent3" accent4="accent4" accent5="accent5" accent6="accent6" hlink="hlink" folHlink="folHlink"/>
   <p:sldLayoutIdLst>
     <p:sldLayoutId id="2147483649" r:id="rId1"/>
-    <p:sldLayoutId id="2147483650" r:id="rId2"/>
   </p:sldLayoutIdLst>
   <p:hf sldNum="0" hdr="0" ftr="0" dt="0"/>
   <p:txStyles>
@@ -1623,6 +1566,13 @@
 <file path=ppt/slides/slide1.xml><?xml version="1.0" encoding="utf-8"?>
 <p:sld xmlns:a="http://schemas.openxmlformats.org/drawingml/2006/main" xmlns:r="http://schemas.openxmlformats.org/officeDocument/2006/relationships" xmlns:p="http://schemas.openxmlformats.org/presentationml/2006/main">
   <p:cSld name="Slide 1">
+    <p:bg>
+      <p:bgPr>
+        <a:solidFill>
+          <a:srgbClr val="1A1A2E"/>
+        </a:solidFill>
+      </p:bgPr>
+    </p:bg>
     <p:spTree>
       <p:nvGrpSpPr>
         <p:cNvPr id="1" name=""/>
@@ -1637,9 +1587,33 @@
           <a:chExt cx="0" cy="0"/>
         </a:xfrm>
       </p:grpSpPr>
-      <p:sp>
-        <p:nvSpPr>
-          <p:cNvPr id="2" name="Shape 0"/>
+      <p:pic>
+        <p:nvPicPr>
+          <p:cNvPr id="2" name="Image 0" descr="preencoded.png">    </p:cNvPr>
+          <p:cNvPicPr>
+            <a:picLocks noChangeAspect="1"/>
+          </p:cNvPicPr>
+          <p:nvPr/>
+        </p:nvPicPr>
+        <p:blipFill>
+          <a:blip r:embed="rId1"/>
+          <a:stretch>
+            <a:fillRect/>
+          </a:stretch>
+        </p:blipFill>
+        <p:spPr>
+          <a:xfrm>
+            <a:off x="274320" y="137160"/>
+            <a:ext cx="1097280" cy="457200"/>
+          </a:xfrm>
+          <a:prstGeom prst="rect">
+            <a:avLst/>
+          </a:prstGeom>
+        </p:spPr>
+      </p:pic>
+      <p:sp>
+        <p:nvSpPr>
+          <p:cNvPr id="3" name="Shape 0"/>
           <p:cNvSpPr/>
           <p:nvPr/>
         </p:nvSpPr>
@@ -1659,7 +1633,7 @@
       </p:sp>
       <p:sp>
         <p:nvSpPr>
-          <p:cNvPr id="3" name="Text 1"/>
+          <p:cNvPr id="4" name="Text 1"/>
           <p:cNvSpPr/>
           <p:nvPr/>
         </p:nvSpPr>
@@ -1698,7 +1672,7 @@
       </p:sp>
       <p:sp>
         <p:nvSpPr>
-          <p:cNvPr id="4" name="Text 2"/>
+          <p:cNvPr id="5" name="Text 2"/>
           <p:cNvSpPr/>
           <p:nvPr/>
         </p:nvSpPr>
@@ -1737,7 +1711,7 @@
       </p:sp>
       <p:sp>
         <p:nvSpPr>
-          <p:cNvPr id="5" name="Text 3"/>
+          <p:cNvPr id="6" name="Text 3"/>
           <p:cNvSpPr/>
           <p:nvPr/>
         </p:nvSpPr>
@@ -1776,7 +1750,7 @@
       </p:sp>
       <p:sp>
         <p:nvSpPr>
-          <p:cNvPr id="6" name="Text 4"/>
+          <p:cNvPr id="7" name="Text 4"/>
           <p:cNvSpPr/>
           <p:nvPr/>
         </p:nvSpPr>
@@ -1815,7 +1789,7 @@
       </p:sp>
       <p:sp>
         <p:nvSpPr>
-          <p:cNvPr id="7" name="Shape 5"/>
+          <p:cNvPr id="8" name="Shape 5"/>
           <p:cNvSpPr/>
           <p:nvPr/>
         </p:nvSpPr>
@@ -1844,6 +1818,13 @@
 <file path=ppt/slides/slide2.xml><?xml version="1.0" encoding="utf-8"?>
 <p:sld xmlns:a="http://schemas.openxmlformats.org/drawingml/2006/main" xmlns:r="http://schemas.openxmlformats.org/officeDocument/2006/relationships" xmlns:p="http://schemas.openxmlformats.org/presentationml/2006/main">
   <p:cSld name="Slide 2">
+    <p:bg>
+      <p:bgPr>
+        <a:solidFill>
+          <a:srgbClr val="1A1A2E"/>
+        </a:solidFill>
+      </p:bgPr>
+    </p:bg>
     <p:spTree>
       <p:nvGrpSpPr>
         <p:cNvPr id="1" name=""/>
@@ -1858,9 +1839,33 @@
           <a:chExt cx="0" cy="0"/>
         </a:xfrm>
       </p:grpSpPr>
-      <p:sp>
-        <p:nvSpPr>
-          <p:cNvPr id="2" name="Shape 0"/>
+      <p:pic>
+        <p:nvPicPr>
+          <p:cNvPr id="2" name="Image 0" descr="preencoded.png">    </p:cNvPr>
+          <p:cNvPicPr>
+            <a:picLocks noChangeAspect="1"/>
+          </p:cNvPicPr>
+          <p:nvPr/>
+        </p:nvPicPr>
+        <p:blipFill>
+          <a:blip r:embed="rId1"/>
+          <a:stretch>
+            <a:fillRect/>
+          </a:stretch>
+        </p:blipFill>
+        <p:spPr>
+          <a:xfrm>
+            <a:off x="274320" y="137160"/>
+            <a:ext cx="1097280" cy="457200"/>
+          </a:xfrm>
+          <a:prstGeom prst="rect">
+            <a:avLst/>
+          </a:prstGeom>
+        </p:spPr>
+      </p:pic>
+      <p:sp>
+        <p:nvSpPr>
+          <p:cNvPr id="3" name="Shape 0"/>
           <p:cNvSpPr/>
           <p:nvPr/>
         </p:nvSpPr>
@@ -1880,7 +1885,7 @@
       </p:sp>
       <p:sp>
         <p:nvSpPr>
-          <p:cNvPr id="3" name="Text 1"/>
+          <p:cNvPr id="4" name="Text 1"/>
           <p:cNvSpPr/>
           <p:nvPr/>
         </p:nvSpPr>
@@ -1919,7 +1924,7 @@
       </p:sp>
       <p:sp>
         <p:nvSpPr>
-          <p:cNvPr id="4" name="Text 2"/>
+          <p:cNvPr id="5" name="Text 2"/>
           <p:cNvSpPr/>
           <p:nvPr/>
         </p:nvSpPr>
@@ -1960,7 +1965,7 @@
       </p:sp>
       <p:sp>
         <p:nvSpPr>
-          <p:cNvPr id="5" name="Text 3"/>
+          <p:cNvPr id="6" name="Text 3"/>
           <p:cNvSpPr/>
           <p:nvPr/>
         </p:nvSpPr>
@@ -1991,7 +1996,7 @@
                 <a:ea typeface="Arial" pitchFamily="34" charset="-122"/>
                 <a:cs typeface="Arial" pitchFamily="34" charset="-120"/>
               </a:rPr>
-              <a:t>Entender os 9 princípios do ultra-aprendizado</a:t>
+              <a:t>Entender 9 princípios</a:t>
             </a:r>
             <a:endParaRPr lang="en-US" sz="1600" dirty="0"/>
           </a:p>
@@ -1999,7 +2004,7 @@
       </p:sp>
       <p:sp>
         <p:nvSpPr>
-          <p:cNvPr id="6" name="Text 4"/>
+          <p:cNvPr id="7" name="Text 4"/>
           <p:cNvSpPr/>
           <p:nvPr/>
         </p:nvSpPr>
@@ -2040,7 +2045,7 @@
       </p:sp>
       <p:sp>
         <p:nvSpPr>
-          <p:cNvPr id="7" name="Text 5"/>
+          <p:cNvPr id="8" name="Text 5"/>
           <p:cNvSpPr/>
           <p:nvPr/>
         </p:nvSpPr>
@@ -2071,7 +2076,7 @@
                 <a:ea typeface="Arial" pitchFamily="34" charset="-122"/>
                 <a:cs typeface="Arial" pitchFamily="34" charset="-120"/>
               </a:rPr>
-              <a:t>Aplicar em projeto intensivo</a:t>
+              <a:t>Aplicar em projeto</a:t>
             </a:r>
             <a:endParaRPr lang="en-US" sz="1600" dirty="0"/>
           </a:p>
@@ -2079,7 +2084,7 @@
       </p:sp>
       <p:sp>
         <p:nvSpPr>
-          <p:cNvPr id="8" name="Text 6"/>
+          <p:cNvPr id="9" name="Text 6"/>
           <p:cNvSpPr/>
           <p:nvPr/>
         </p:nvSpPr>
@@ -2120,7 +2125,7 @@
       </p:sp>
       <p:sp>
         <p:nvSpPr>
-          <p:cNvPr id="9" name="Text 7"/>
+          <p:cNvPr id="10" name="Text 7"/>
           <p:cNvSpPr/>
           <p:nvPr/>
         </p:nvSpPr>
@@ -2151,7 +2156,7 @@
                 <a:ea typeface="Arial" pitchFamily="34" charset="-122"/>
                 <a:cs typeface="Arial" pitchFamily="34" charset="-120"/>
               </a:rPr>
-              <a:t>Saber quando usar (e quando não)</a:t>
+              <a:t>Saber quando usar</a:t>
             </a:r>
             <a:endParaRPr lang="en-US" sz="1600" dirty="0"/>
           </a:p>
@@ -2168,6 +2173,13 @@
 <file path=ppt/slides/slide3.xml><?xml version="1.0" encoding="utf-8"?>
 <p:sld xmlns:a="http://schemas.openxmlformats.org/drawingml/2006/main" xmlns:r="http://schemas.openxmlformats.org/officeDocument/2006/relationships" xmlns:p="http://schemas.openxmlformats.org/presentationml/2006/main">
   <p:cSld name="Slide 3">
+    <p:bg>
+      <p:bgPr>
+        <a:solidFill>
+          <a:srgbClr val="1A1A2E"/>
+        </a:solidFill>
+      </p:bgPr>
+    </p:bg>
     <p:spTree>
       <p:nvGrpSpPr>
         <p:cNvPr id="1" name=""/>
@@ -2182,9 +2194,33 @@
           <a:chExt cx="0" cy="0"/>
         </a:xfrm>
       </p:grpSpPr>
-      <p:sp>
-        <p:nvSpPr>
-          <p:cNvPr id="2" name="Shape 0"/>
+      <p:pic>
+        <p:nvPicPr>
+          <p:cNvPr id="2" name="Image 0" descr="preencoded.png">    </p:cNvPr>
+          <p:cNvPicPr>
+            <a:picLocks noChangeAspect="1"/>
+          </p:cNvPicPr>
+          <p:nvPr/>
+        </p:nvPicPr>
+        <p:blipFill>
+          <a:blip r:embed="rId1"/>
+          <a:stretch>
+            <a:fillRect/>
+          </a:stretch>
+        </p:blipFill>
+        <p:spPr>
+          <a:xfrm>
+            <a:off x="274320" y="137160"/>
+            <a:ext cx="1097280" cy="457200"/>
+          </a:xfrm>
+          <a:prstGeom prst="rect">
+            <a:avLst/>
+          </a:prstGeom>
+        </p:spPr>
+      </p:pic>
+      <p:sp>
+        <p:nvSpPr>
+          <p:cNvPr id="3" name="Shape 0"/>
           <p:cNvSpPr/>
           <p:nvPr/>
         </p:nvSpPr>
@@ -2204,7 +2240,7 @@
       </p:sp>
       <p:sp>
         <p:nvSpPr>
-          <p:cNvPr id="3" name="Text 1"/>
+          <p:cNvPr id="4" name="Text 1"/>
           <p:cNvSpPr/>
           <p:nvPr/>
         </p:nvSpPr>
@@ -2235,7 +2271,7 @@
                 <a:ea typeface="Arial" pitchFamily="34" charset="-122"/>
                 <a:cs typeface="Arial" pitchFamily="34" charset="-120"/>
               </a:rPr>
-              <a:t>9 Princípios (Parte 1)</a:t>
+              <a:t>Princípios 1-4</a:t>
             </a:r>
             <a:endParaRPr lang="en-US" sz="1800" dirty="0"/>
           </a:p>
@@ -2243,7 +2279,7 @@
       </p:sp>
       <p:sp>
         <p:nvSpPr>
-          <p:cNvPr id="4" name="Text 2"/>
+          <p:cNvPr id="5" name="Text 2"/>
           <p:cNvSpPr/>
           <p:nvPr/>
         </p:nvSpPr>
@@ -2282,7 +2318,7 @@
       </p:sp>
       <p:sp>
         <p:nvSpPr>
-          <p:cNvPr id="5" name="Text 3"/>
+          <p:cNvPr id="6" name="Text 3"/>
           <p:cNvSpPr/>
           <p:nvPr/>
         </p:nvSpPr>
@@ -2313,7 +2349,7 @@
                 <a:ea typeface="Arial" pitchFamily="34" charset="-122"/>
                 <a:cs typeface="Arial" pitchFamily="34" charset="-120"/>
               </a:rPr>
-              <a:t>1. Metalearning: aprender a aprender</a:t>
+              <a:t>Metalearning</a:t>
             </a:r>
             <a:endParaRPr lang="en-US" sz="1500" dirty="0"/>
           </a:p>
@@ -2321,7 +2357,7 @@
       </p:sp>
       <p:sp>
         <p:nvSpPr>
-          <p:cNvPr id="6" name="Text 4"/>
+          <p:cNvPr id="7" name="Text 4"/>
           <p:cNvSpPr/>
           <p:nvPr/>
         </p:nvSpPr>
@@ -2360,7 +2396,7 @@
       </p:sp>
       <p:sp>
         <p:nvSpPr>
-          <p:cNvPr id="7" name="Text 5"/>
+          <p:cNvPr id="8" name="Text 5"/>
           <p:cNvSpPr/>
           <p:nvPr/>
         </p:nvSpPr>
@@ -2391,7 +2427,7 @@
                 <a:ea typeface="Arial" pitchFamily="34" charset="-122"/>
                 <a:cs typeface="Arial" pitchFamily="34" charset="-120"/>
               </a:rPr>
-              <a:t>2. Foco: intensidade &gt; quantidade</a:t>
+              <a:t>Foco intenso</a:t>
             </a:r>
             <a:endParaRPr lang="en-US" sz="1500" dirty="0"/>
           </a:p>
@@ -2399,7 +2435,7 @@
       </p:sp>
       <p:sp>
         <p:nvSpPr>
-          <p:cNvPr id="8" name="Text 6"/>
+          <p:cNvPr id="9" name="Text 6"/>
           <p:cNvSpPr/>
           <p:nvPr/>
         </p:nvSpPr>
@@ -2438,7 +2474,7 @@
       </p:sp>
       <p:sp>
         <p:nvSpPr>
-          <p:cNvPr id="9" name="Text 7"/>
+          <p:cNvPr id="10" name="Text 7"/>
           <p:cNvSpPr/>
           <p:nvPr/>
         </p:nvSpPr>
@@ -2469,7 +2505,7 @@
                 <a:ea typeface="Arial" pitchFamily="34" charset="-122"/>
                 <a:cs typeface="Arial" pitchFamily="34" charset="-120"/>
               </a:rPr>
-              <a:t>3. Direcionamento: prática real</a:t>
+              <a:t>Direcionamento</a:t>
             </a:r>
             <a:endParaRPr lang="en-US" sz="1500" dirty="0"/>
           </a:p>
@@ -2477,7 +2513,7 @@
       </p:sp>
       <p:sp>
         <p:nvSpPr>
-          <p:cNvPr id="10" name="Text 8"/>
+          <p:cNvPr id="11" name="Text 8"/>
           <p:cNvSpPr/>
           <p:nvPr/>
         </p:nvSpPr>
@@ -2516,7 +2552,7 @@
       </p:sp>
       <p:sp>
         <p:nvSpPr>
-          <p:cNvPr id="11" name="Text 9"/>
+          <p:cNvPr id="12" name="Text 9"/>
           <p:cNvSpPr/>
           <p:nvPr/>
         </p:nvSpPr>
@@ -2547,7 +2583,7 @@
                 <a:ea typeface="Arial" pitchFamily="34" charset="-122"/>
                 <a:cs typeface="Arial" pitchFamily="34" charset="-120"/>
               </a:rPr>
-              <a:t>4. Drilling: atacar pontos fracos</a:t>
+              <a:t>Drilling</a:t>
             </a:r>
             <a:endParaRPr lang="en-US" sz="1500" dirty="0"/>
           </a:p>
@@ -2564,6 +2600,13 @@
 <file path=ppt/slides/slide4.xml><?xml version="1.0" encoding="utf-8"?>
 <p:sld xmlns:a="http://schemas.openxmlformats.org/drawingml/2006/main" xmlns:r="http://schemas.openxmlformats.org/officeDocument/2006/relationships" xmlns:p="http://schemas.openxmlformats.org/presentationml/2006/main">
   <p:cSld name="Slide 4">
+    <p:bg>
+      <p:bgPr>
+        <a:solidFill>
+          <a:srgbClr val="1A1A2E"/>
+        </a:solidFill>
+      </p:bgPr>
+    </p:bg>
     <p:spTree>
       <p:nvGrpSpPr>
         <p:cNvPr id="1" name=""/>
@@ -2578,9 +2621,33 @@
           <a:chExt cx="0" cy="0"/>
         </a:xfrm>
       </p:grpSpPr>
-      <p:sp>
-        <p:nvSpPr>
-          <p:cNvPr id="2" name="Shape 0"/>
+      <p:pic>
+        <p:nvPicPr>
+          <p:cNvPr id="2" name="Image 0" descr="preencoded.png">    </p:cNvPr>
+          <p:cNvPicPr>
+            <a:picLocks noChangeAspect="1"/>
+          </p:cNvPicPr>
+          <p:nvPr/>
+        </p:nvPicPr>
+        <p:blipFill>
+          <a:blip r:embed="rId1"/>
+          <a:stretch>
+            <a:fillRect/>
+          </a:stretch>
+        </p:blipFill>
+        <p:spPr>
+          <a:xfrm>
+            <a:off x="274320" y="137160"/>
+            <a:ext cx="1097280" cy="457200"/>
+          </a:xfrm>
+          <a:prstGeom prst="rect">
+            <a:avLst/>
+          </a:prstGeom>
+        </p:spPr>
+      </p:pic>
+      <p:sp>
+        <p:nvSpPr>
+          <p:cNvPr id="3" name="Shape 0"/>
           <p:cNvSpPr/>
           <p:nvPr/>
         </p:nvSpPr>
@@ -2600,7 +2667,7 @@
       </p:sp>
       <p:sp>
         <p:nvSpPr>
-          <p:cNvPr id="3" name="Text 1"/>
+          <p:cNvPr id="4" name="Text 1"/>
           <p:cNvSpPr/>
           <p:nvPr/>
         </p:nvSpPr>
@@ -2631,7 +2698,7 @@
                 <a:ea typeface="Arial" pitchFamily="34" charset="-122"/>
                 <a:cs typeface="Arial" pitchFamily="34" charset="-120"/>
               </a:rPr>
-              <a:t>9 Princípios (Parte 2)</a:t>
+              <a:t>Princípios 5-9</a:t>
             </a:r>
             <a:endParaRPr lang="en-US" sz="1800" dirty="0"/>
           </a:p>
@@ -2639,7 +2706,7 @@
       </p:sp>
       <p:sp>
         <p:nvSpPr>
-          <p:cNvPr id="4" name="Text 2"/>
+          <p:cNvPr id="5" name="Text 2"/>
           <p:cNvSpPr/>
           <p:nvPr/>
         </p:nvSpPr>
@@ -2678,7 +2745,7 @@
       </p:sp>
       <p:sp>
         <p:nvSpPr>
-          <p:cNvPr id="5" name="Text 3"/>
+          <p:cNvPr id="6" name="Text 3"/>
           <p:cNvSpPr/>
           <p:nvPr/>
         </p:nvSpPr>
@@ -2709,7 +2776,7 @@
                 <a:ea typeface="Arial" pitchFamily="34" charset="-122"/>
                 <a:cs typeface="Arial" pitchFamily="34" charset="-120"/>
               </a:rPr>
-              <a:t>5. Recuperação: testar &gt; revisar</a:t>
+              <a:t>Recuperação (testar)</a:t>
             </a:r>
             <a:endParaRPr lang="en-US" sz="1500" dirty="0"/>
           </a:p>
@@ -2717,7 +2784,7 @@
       </p:sp>
       <p:sp>
         <p:nvSpPr>
-          <p:cNvPr id="6" name="Text 4"/>
+          <p:cNvPr id="7" name="Text 4"/>
           <p:cNvSpPr/>
           <p:nvPr/>
         </p:nvSpPr>
@@ -2756,7 +2823,7 @@
       </p:sp>
       <p:sp>
         <p:nvSpPr>
-          <p:cNvPr id="7" name="Text 5"/>
+          <p:cNvPr id="8" name="Text 5"/>
           <p:cNvSpPr/>
           <p:nvPr/>
         </p:nvSpPr>
@@ -2787,7 +2854,7 @@
                 <a:ea typeface="Arial" pitchFamily="34" charset="-122"/>
                 <a:cs typeface="Arial" pitchFamily="34" charset="-120"/>
               </a:rPr>
-              <a:t>6. Feedback: externo e rápido</a:t>
+              <a:t>Feedback</a:t>
             </a:r>
             <a:endParaRPr lang="en-US" sz="1500" dirty="0"/>
           </a:p>
@@ -2795,7 +2862,7 @@
       </p:sp>
       <p:sp>
         <p:nvSpPr>
-          <p:cNvPr id="8" name="Text 6"/>
+          <p:cNvPr id="9" name="Text 6"/>
           <p:cNvSpPr/>
           <p:nvPr/>
         </p:nvSpPr>
@@ -2834,7 +2901,7 @@
       </p:sp>
       <p:sp>
         <p:nvSpPr>
-          <p:cNvPr id="9" name="Text 7"/>
+          <p:cNvPr id="10" name="Text 7"/>
           <p:cNvSpPr/>
           <p:nvPr/>
         </p:nvSpPr>
@@ -2865,7 +2932,7 @@
                 <a:ea typeface="Arial" pitchFamily="34" charset="-122"/>
                 <a:cs typeface="Arial" pitchFamily="34" charset="-120"/>
               </a:rPr>
-              <a:t>7. Retenção: espaçamento</a:t>
+              <a:t>Retenção</a:t>
             </a:r>
             <a:endParaRPr lang="en-US" sz="1500" dirty="0"/>
           </a:p>
@@ -2873,7 +2940,7 @@
       </p:sp>
       <p:sp>
         <p:nvSpPr>
-          <p:cNvPr id="10" name="Text 8"/>
+          <p:cNvPr id="11" name="Text 8"/>
           <p:cNvSpPr/>
           <p:nvPr/>
         </p:nvSpPr>
@@ -2912,7 +2979,7 @@
       </p:sp>
       <p:sp>
         <p:nvSpPr>
-          <p:cNvPr id="11" name="Text 9"/>
+          <p:cNvPr id="12" name="Text 9"/>
           <p:cNvSpPr/>
           <p:nvPr/>
         </p:nvSpPr>
@@ -2943,7 +3010,7 @@
                 <a:ea typeface="Arial" pitchFamily="34" charset="-122"/>
                 <a:cs typeface="Arial" pitchFamily="34" charset="-120"/>
               </a:rPr>
-              <a:t>8. Intuição: entender profundamente</a:t>
+              <a:t>Intuição</a:t>
             </a:r>
             <a:endParaRPr lang="en-US" sz="1500" dirty="0"/>
           </a:p>
@@ -2951,7 +3018,7 @@
       </p:sp>
       <p:sp>
         <p:nvSpPr>
-          <p:cNvPr id="12" name="Text 10"/>
+          <p:cNvPr id="13" name="Text 10"/>
           <p:cNvSpPr/>
           <p:nvPr/>
         </p:nvSpPr>
@@ -2990,7 +3057,7 @@
       </p:sp>
       <p:sp>
         <p:nvSpPr>
-          <p:cNvPr id="13" name="Text 11"/>
+          <p:cNvPr id="14" name="Text 11"/>
           <p:cNvSpPr/>
           <p:nvPr/>
         </p:nvSpPr>
@@ -3021,7 +3088,7 @@
                 <a:ea typeface="Arial" pitchFamily="34" charset="-122"/>
                 <a:cs typeface="Arial" pitchFamily="34" charset="-120"/>
               </a:rPr>
-              <a:t>9. Experimentação: encontrar seu método</a:t>
+              <a:t>Experimentação</a:t>
             </a:r>
             <a:endParaRPr lang="en-US" sz="1500" dirty="0"/>
           </a:p>
@@ -3038,6 +3105,13 @@
 <file path=ppt/slides/slide5.xml><?xml version="1.0" encoding="utf-8"?>
 <p:sld xmlns:a="http://schemas.openxmlformats.org/drawingml/2006/main" xmlns:r="http://schemas.openxmlformats.org/officeDocument/2006/relationships" xmlns:p="http://schemas.openxmlformats.org/presentationml/2006/main">
   <p:cSld name="Slide 5">
+    <p:bg>
+      <p:bgPr>
+        <a:solidFill>
+          <a:srgbClr val="1A1A2E"/>
+        </a:solidFill>
+      </p:bgPr>
+    </p:bg>
     <p:spTree>
       <p:nvGrpSpPr>
         <p:cNvPr id="1" name=""/>
@@ -3052,9 +3126,33 @@
           <a:chExt cx="0" cy="0"/>
         </a:xfrm>
       </p:grpSpPr>
-      <p:sp>
-        <p:nvSpPr>
-          <p:cNvPr id="2" name="Shape 0"/>
+      <p:pic>
+        <p:nvPicPr>
+          <p:cNvPr id="2" name="Image 0" descr="preencoded.png">    </p:cNvPr>
+          <p:cNvPicPr>
+            <a:picLocks noChangeAspect="1"/>
+          </p:cNvPicPr>
+          <p:nvPr/>
+        </p:nvPicPr>
+        <p:blipFill>
+          <a:blip r:embed="rId1"/>
+          <a:stretch>
+            <a:fillRect/>
+          </a:stretch>
+        </p:blipFill>
+        <p:spPr>
+          <a:xfrm>
+            <a:off x="274320" y="137160"/>
+            <a:ext cx="1097280" cy="457200"/>
+          </a:xfrm>
+          <a:prstGeom prst="rect">
+            <a:avLst/>
+          </a:prstGeom>
+        </p:spPr>
+      </p:pic>
+      <p:sp>
+        <p:nvSpPr>
+          <p:cNvPr id="3" name="Shape 0"/>
           <p:cNvSpPr/>
           <p:nvPr/>
         </p:nvSpPr>
@@ -3074,7 +3172,7 @@
       </p:sp>
       <p:sp>
         <p:nvSpPr>
-          <p:cNvPr id="3" name="Text 1"/>
+          <p:cNvPr id="4" name="Text 1"/>
           <p:cNvSpPr/>
           <p:nvPr/>
         </p:nvSpPr>
@@ -3105,7 +3203,7 @@
                 <a:ea typeface="Arial" pitchFamily="34" charset="-122"/>
                 <a:cs typeface="Arial" pitchFamily="34" charset="-120"/>
               </a:rPr>
-              <a:t>Aplicando na Prática</a:t>
+              <a:t>Aplicando</a:t>
             </a:r>
             <a:endParaRPr lang="en-US" sz="1800" dirty="0"/>
           </a:p>
@@ -3113,7 +3211,7 @@
       </p:sp>
       <p:sp>
         <p:nvSpPr>
-          <p:cNvPr id="4" name="Text 2"/>
+          <p:cNvPr id="5" name="Text 2"/>
           <p:cNvSpPr/>
           <p:nvPr/>
         </p:nvSpPr>
@@ -3152,7 +3250,7 @@
       </p:sp>
       <p:sp>
         <p:nvSpPr>
-          <p:cNvPr id="5" name="Text 3"/>
+          <p:cNvPr id="6" name="Text 3"/>
           <p:cNvSpPr/>
           <p:nvPr/>
         </p:nvSpPr>
@@ -3183,7 +3281,7 @@
                 <a:ea typeface="Arial" pitchFamily="34" charset="-122"/>
                 <a:cs typeface="Arial" pitchFamily="34" charset="-120"/>
               </a:rPr>
-              <a:t>Projeto claro com prazo</a:t>
+              <a:t>Projeto claro</a:t>
             </a:r>
             <a:endParaRPr lang="en-US" sz="1500" dirty="0"/>
           </a:p>
@@ -3191,7 +3289,7 @@
       </p:sp>
       <p:sp>
         <p:nvSpPr>
-          <p:cNvPr id="6" name="Text 4"/>
+          <p:cNvPr id="7" name="Text 4"/>
           <p:cNvSpPr/>
           <p:nvPr/>
         </p:nvSpPr>
@@ -3230,7 +3328,7 @@
       </p:sp>
       <p:sp>
         <p:nvSpPr>
-          <p:cNvPr id="7" name="Text 5"/>
+          <p:cNvPr id="8" name="Text 5"/>
           <p:cNvSpPr/>
           <p:nvPr/>
         </p:nvSpPr>
@@ -3261,7 +3359,7 @@
                 <a:ea typeface="Arial" pitchFamily="34" charset="-122"/>
                 <a:cs typeface="Arial" pitchFamily="34" charset="-120"/>
               </a:rPr>
-              <a:t>Imersão intensiva</a:t>
+              <a:t>Imersão</a:t>
             </a:r>
             <a:endParaRPr lang="en-US" sz="1500" dirty="0"/>
           </a:p>
@@ -3269,7 +3367,7 @@
       </p:sp>
       <p:sp>
         <p:nvSpPr>
-          <p:cNvPr id="8" name="Text 6"/>
+          <p:cNvPr id="9" name="Text 6"/>
           <p:cNvSpPr/>
           <p:nvPr/>
         </p:nvSpPr>
@@ -3308,7 +3406,7 @@
       </p:sp>
       <p:sp>
         <p:nvSpPr>
-          <p:cNvPr id="9" name="Text 7"/>
+          <p:cNvPr id="10" name="Text 7"/>
           <p:cNvSpPr/>
           <p:nvPr/>
         </p:nvSpPr>
@@ -3356,6 +3454,13 @@
 <file path=ppt/slides/slide6.xml><?xml version="1.0" encoding="utf-8"?>
 <p:sld xmlns:a="http://schemas.openxmlformats.org/drawingml/2006/main" xmlns:r="http://schemas.openxmlformats.org/officeDocument/2006/relationships" xmlns:p="http://schemas.openxmlformats.org/presentationml/2006/main">
   <p:cSld name="Slide 6">
+    <p:bg>
+      <p:bgPr>
+        <a:solidFill>
+          <a:srgbClr val="1A1A2E"/>
+        </a:solidFill>
+      </p:bgPr>
+    </p:bg>
     <p:spTree>
       <p:nvGrpSpPr>
         <p:cNvPr id="1" name=""/>
@@ -3370,9 +3475,33 @@
           <a:chExt cx="0" cy="0"/>
         </a:xfrm>
       </p:grpSpPr>
-      <p:sp>
-        <p:nvSpPr>
-          <p:cNvPr id="2" name="Shape 0"/>
+      <p:pic>
+        <p:nvPicPr>
+          <p:cNvPr id="2" name="Image 0" descr="preencoded.png">    </p:cNvPr>
+          <p:cNvPicPr>
+            <a:picLocks noChangeAspect="1"/>
+          </p:cNvPicPr>
+          <p:nvPr/>
+        </p:nvPicPr>
+        <p:blipFill>
+          <a:blip r:embed="rId1"/>
+          <a:stretch>
+            <a:fillRect/>
+          </a:stretch>
+        </p:blipFill>
+        <p:spPr>
+          <a:xfrm>
+            <a:off x="274320" y="137160"/>
+            <a:ext cx="1097280" cy="457200"/>
+          </a:xfrm>
+          <a:prstGeom prst="rect">
+            <a:avLst/>
+          </a:prstGeom>
+        </p:spPr>
+      </p:pic>
+      <p:sp>
+        <p:nvSpPr>
+          <p:cNvPr id="3" name="Shape 0"/>
           <p:cNvSpPr/>
           <p:nvPr/>
         </p:nvSpPr>
@@ -3392,7 +3521,7 @@
       </p:sp>
       <p:sp>
         <p:nvSpPr>
-          <p:cNvPr id="3" name="Text 1"/>
+          <p:cNvPr id="4" name="Text 1"/>
           <p:cNvSpPr/>
           <p:nvPr/>
         </p:nvSpPr>
@@ -3431,7 +3560,7 @@
       </p:sp>
       <p:sp>
         <p:nvSpPr>
-          <p:cNvPr id="4" name="Text 2"/>
+          <p:cNvPr id="5" name="Text 2"/>
           <p:cNvSpPr/>
           <p:nvPr/>
         </p:nvSpPr>
@@ -3470,7 +3599,7 @@
       </p:sp>
       <p:sp>
         <p:nvSpPr>
-          <p:cNvPr id="5" name="Text 3"/>
+          <p:cNvPr id="6" name="Text 3"/>
           <p:cNvSpPr/>
           <p:nvPr/>
         </p:nvSpPr>
@@ -3501,7 +3630,7 @@
                 <a:ea typeface="Arial" pitchFamily="34" charset="-122"/>
                 <a:cs typeface="Arial" pitchFamily="34" charset="-120"/>
               </a:rPr>
-              <a:t>Projetos de tempo limitado</a:t>
+              <a:t>Projetos com prazo</a:t>
             </a:r>
             <a:endParaRPr lang="en-US" sz="1500" dirty="0"/>
           </a:p>
@@ -3509,7 +3638,7 @@
       </p:sp>
       <p:sp>
         <p:nvSpPr>
-          <p:cNvPr id="6" name="Text 4"/>
+          <p:cNvPr id="7" name="Text 4"/>
           <p:cNvSpPr/>
           <p:nvPr/>
         </p:nvSpPr>
@@ -3548,7 +3677,7 @@
       </p:sp>
       <p:sp>
         <p:nvSpPr>
-          <p:cNvPr id="7" name="Text 5"/>
+          <p:cNvPr id="8" name="Text 5"/>
           <p:cNvSpPr/>
           <p:nvPr/>
         </p:nvSpPr>
@@ -3579,7 +3708,7 @@
                 <a:ea typeface="Arial" pitchFamily="34" charset="-122"/>
                 <a:cs typeface="Arial" pitchFamily="34" charset="-120"/>
               </a:rPr>
-              <a:t>Preparação para provas</a:t>
+              <a:t>Preparação provas</a:t>
             </a:r>
             <a:endParaRPr lang="en-US" sz="1500" dirty="0"/>
           </a:p>
@@ -3587,7 +3716,7 @@
       </p:sp>
       <p:sp>
         <p:nvSpPr>
-          <p:cNvPr id="8" name="Text 6"/>
+          <p:cNvPr id="9" name="Text 6"/>
           <p:cNvSpPr/>
           <p:nvPr/>
         </p:nvSpPr>
@@ -3626,7 +3755,7 @@
       </p:sp>
       <p:sp>
         <p:nvSpPr>
-          <p:cNvPr id="9" name="Text 7"/>
+          <p:cNvPr id="10" name="Text 7"/>
           <p:cNvSpPr/>
           <p:nvPr/>
         </p:nvSpPr>
@@ -3657,7 +3786,7 @@
                 <a:ea typeface="Arial" pitchFamily="34" charset="-122"/>
                 <a:cs typeface="Arial" pitchFamily="34" charset="-120"/>
               </a:rPr>
-              <a:t>Não é para uso diário</a:t>
+              <a:t>Não é diário</a:t>
             </a:r>
             <a:endParaRPr lang="en-US" sz="1500" dirty="0"/>
           </a:p>
@@ -3674,6 +3803,13 @@
 <file path=ppt/slides/slide7.xml><?xml version="1.0" encoding="utf-8"?>
 <p:sld xmlns:a="http://schemas.openxmlformats.org/drawingml/2006/main" xmlns:r="http://schemas.openxmlformats.org/officeDocument/2006/relationships" xmlns:p="http://schemas.openxmlformats.org/presentationml/2006/main">
   <p:cSld name="Slide 7">
+    <p:bg>
+      <p:bgPr>
+        <a:solidFill>
+          <a:srgbClr val="1A1A2E"/>
+        </a:solidFill>
+      </p:bgPr>
+    </p:bg>
     <p:spTree>
       <p:nvGrpSpPr>
         <p:cNvPr id="1" name=""/>
@@ -3688,9 +3824,33 @@
           <a:chExt cx="0" cy="0"/>
         </a:xfrm>
       </p:grpSpPr>
-      <p:sp>
-        <p:nvSpPr>
-          <p:cNvPr id="2" name="Shape 0"/>
+      <p:pic>
+        <p:nvPicPr>
+          <p:cNvPr id="2" name="Image 0" descr="preencoded.png">    </p:cNvPr>
+          <p:cNvPicPr>
+            <a:picLocks noChangeAspect="1"/>
+          </p:cNvPicPr>
+          <p:nvPr/>
+        </p:nvPicPr>
+        <p:blipFill>
+          <a:blip r:embed="rId1"/>
+          <a:stretch>
+            <a:fillRect/>
+          </a:stretch>
+        </p:blipFill>
+        <p:spPr>
+          <a:xfrm>
+            <a:off x="274320" y="137160"/>
+            <a:ext cx="1097280" cy="457200"/>
+          </a:xfrm>
+          <a:prstGeom prst="rect">
+            <a:avLst/>
+          </a:prstGeom>
+        </p:spPr>
+      </p:pic>
+      <p:sp>
+        <p:nvSpPr>
+          <p:cNvPr id="3" name="Shape 0"/>
           <p:cNvSpPr/>
           <p:nvPr/>
         </p:nvSpPr>
@@ -3710,7 +3870,7 @@
       </p:sp>
       <p:sp>
         <p:nvSpPr>
-          <p:cNvPr id="3" name="Text 1"/>
+          <p:cNvPr id="4" name="Text 1"/>
           <p:cNvSpPr/>
           <p:nvPr/>
         </p:nvSpPr>
@@ -3749,7 +3909,7 @@
       </p:sp>
       <p:sp>
         <p:nvSpPr>
-          <p:cNvPr id="4" name="Text 2"/>
+          <p:cNvPr id="5" name="Text 2"/>
           <p:cNvSpPr/>
           <p:nvPr/>
         </p:nvSpPr>
@@ -3788,7 +3948,7 @@
       </p:sp>
       <p:sp>
         <p:nvSpPr>
-          <p:cNvPr id="5" name="Text 3"/>
+          <p:cNvPr id="6" name="Text 3"/>
           <p:cNvSpPr/>
           <p:nvPr/>
         </p:nvSpPr>
@@ -3819,7 +3979,7 @@
                 <a:ea typeface="Arial" pitchFamily="34" charset="-122"/>
                 <a:cs typeface="Arial" pitchFamily="34" charset="-120"/>
               </a:rPr>
-              <a:t>Ultra-aprendizado = aprender acelerado</a:t>
+              <a:t>Ultra = aprender acelerado</a:t>
             </a:r>
             <a:endParaRPr lang="en-US" sz="1500" dirty="0"/>
           </a:p>
@@ -3827,7 +3987,7 @@
       </p:sp>
       <p:sp>
         <p:nvSpPr>
-          <p:cNvPr id="6" name="Text 4"/>
+          <p:cNvPr id="7" name="Text 4"/>
           <p:cNvSpPr/>
           <p:nvPr/>
         </p:nvSpPr>
@@ -3866,7 +4026,7 @@
       </p:sp>
       <p:sp>
         <p:nvSpPr>
-          <p:cNvPr id="7" name="Text 5"/>
+          <p:cNvPr id="8" name="Text 5"/>
           <p:cNvSpPr/>
           <p:nvPr/>
         </p:nvSpPr>
@@ -3905,7 +4065,7 @@
       </p:sp>
       <p:sp>
         <p:nvSpPr>
-          <p:cNvPr id="8" name="Text 6"/>
+          <p:cNvPr id="9" name="Text 6"/>
           <p:cNvSpPr/>
           <p:nvPr/>
         </p:nvSpPr>
@@ -3944,7 +4104,7 @@
       </p:sp>
       <p:sp>
         <p:nvSpPr>
-          <p:cNvPr id="9" name="Text 7"/>
+          <p:cNvPr id="10" name="Text 7"/>
           <p:cNvSpPr/>
           <p:nvPr/>
         </p:nvSpPr>
@@ -3975,7 +4135,7 @@
                 <a:ea typeface="Arial" pitchFamily="34" charset="-122"/>
                 <a:cs typeface="Arial" pitchFamily="34" charset="-120"/>
               </a:rPr>
-              <a:t>Para projetos intensivos com prazo</a:t>
+              <a:t>Para projetos intensivos</a:t>
             </a:r>
             <a:endParaRPr lang="en-US" sz="1500" dirty="0"/>
           </a:p>
@@ -3983,7 +4143,7 @@
       </p:sp>
       <p:sp>
         <p:nvSpPr>
-          <p:cNvPr id="10" name="Text 8"/>
+          <p:cNvPr id="11" name="Text 8"/>
           <p:cNvSpPr/>
           <p:nvPr/>
         </p:nvSpPr>
@@ -4022,7 +4182,7 @@
       </p:sp>
       <p:sp>
         <p:nvSpPr>
-          <p:cNvPr id="11" name="Text 9"/>
+          <p:cNvPr id="12" name="Text 9"/>
           <p:cNvSpPr/>
           <p:nvPr/>
         </p:nvSpPr>
@@ -4070,6 +4230,13 @@
 <file path=ppt/slides/slide8.xml><?xml version="1.0" encoding="utf-8"?>
 <p:sld xmlns:a="http://schemas.openxmlformats.org/drawingml/2006/main" xmlns:r="http://schemas.openxmlformats.org/officeDocument/2006/relationships" xmlns:p="http://schemas.openxmlformats.org/presentationml/2006/main">
   <p:cSld name="Slide 8">
+    <p:bg>
+      <p:bgPr>
+        <a:solidFill>
+          <a:srgbClr val="1A1A2E"/>
+        </a:solidFill>
+      </p:bgPr>
+    </p:bg>
     <p:spTree>
       <p:nvGrpSpPr>
         <p:cNvPr id="1" name=""/>
@@ -4084,9 +4251,33 @@
           <a:chExt cx="0" cy="0"/>
         </a:xfrm>
       </p:grpSpPr>
-      <p:sp>
-        <p:nvSpPr>
-          <p:cNvPr id="2" name="Shape 0"/>
+      <p:pic>
+        <p:nvPicPr>
+          <p:cNvPr id="2" name="Image 0" descr="preencoded.png">    </p:cNvPr>
+          <p:cNvPicPr>
+            <a:picLocks noChangeAspect="1"/>
+          </p:cNvPicPr>
+          <p:nvPr/>
+        </p:nvPicPr>
+        <p:blipFill>
+          <a:blip r:embed="rId1"/>
+          <a:stretch>
+            <a:fillRect/>
+          </a:stretch>
+        </p:blipFill>
+        <p:spPr>
+          <a:xfrm>
+            <a:off x="274320" y="137160"/>
+            <a:ext cx="1097280" cy="457200"/>
+          </a:xfrm>
+          <a:prstGeom prst="rect">
+            <a:avLst/>
+          </a:prstGeom>
+        </p:spPr>
+      </p:pic>
+      <p:sp>
+        <p:nvSpPr>
+          <p:cNvPr id="3" name="Shape 0"/>
           <p:cNvSpPr/>
           <p:nvPr/>
         </p:nvSpPr>
@@ -4106,7 +4297,7 @@
       </p:sp>
       <p:sp>
         <p:nvSpPr>
-          <p:cNvPr id="3" name="Text 1"/>
+          <p:cNvPr id="4" name="Text 1"/>
           <p:cNvSpPr/>
           <p:nvPr/>
         </p:nvSpPr>
@@ -4145,7 +4336,7 @@
       </p:sp>
       <p:sp>
         <p:nvSpPr>
-          <p:cNvPr id="4" name="Shape 2"/>
+          <p:cNvPr id="5" name="Shape 2"/>
           <p:cNvSpPr/>
           <p:nvPr/>
         </p:nvSpPr>
@@ -4170,7 +4361,7 @@
       </p:sp>
       <p:sp>
         <p:nvSpPr>
-          <p:cNvPr id="5" name="Text 3"/>
+          <p:cNvPr id="6" name="Text 3"/>
           <p:cNvSpPr/>
           <p:nvPr/>
         </p:nvSpPr>
@@ -4201,7 +4392,7 @@
                 <a:ea typeface="Arial" pitchFamily="34" charset="-122"/>
                 <a:cs typeface="Arial" pitchFamily="34" charset="-120"/>
               </a:rPr>
-              <a:t>Projeto Ultra-Aprendizado: Objetivo + aplicar princípios + plano 2-4 semanas + executar 1 semana</a:t>
+              <a:t>Projeto Ultra: objetivo + princípios + 2-4 semanas</a:t>
             </a:r>
             <a:endParaRPr lang="en-US" sz="1500" dirty="0"/>
           </a:p>
@@ -4209,7 +4400,7 @@
       </p:sp>
       <p:sp>
         <p:nvSpPr>
-          <p:cNvPr id="6" name="Text 4"/>
+          <p:cNvPr id="7" name="Text 4"/>
           <p:cNvSpPr/>
           <p:nvPr/>
         </p:nvSpPr>
@@ -4257,6 +4448,13 @@
 <file path=ppt/slides/slide9.xml><?xml version="1.0" encoding="utf-8"?>
 <p:sld xmlns:a="http://schemas.openxmlformats.org/drawingml/2006/main" xmlns:r="http://schemas.openxmlformats.org/officeDocument/2006/relationships" xmlns:p="http://schemas.openxmlformats.org/presentationml/2006/main">
   <p:cSld name="Slide 9">
+    <p:bg>
+      <p:bgPr>
+        <a:solidFill>
+          <a:srgbClr val="1A1A2E"/>
+        </a:solidFill>
+      </p:bgPr>
+    </p:bg>
     <p:spTree>
       <p:nvGrpSpPr>
         <p:cNvPr id="1" name=""/>
@@ -4271,9 +4469,33 @@
           <a:chExt cx="0" cy="0"/>
         </a:xfrm>
       </p:grpSpPr>
-      <p:sp>
-        <p:nvSpPr>
-          <p:cNvPr id="2" name="Shape 0"/>
+      <p:pic>
+        <p:nvPicPr>
+          <p:cNvPr id="2" name="Image 0" descr="preencoded.png">    </p:cNvPr>
+          <p:cNvPicPr>
+            <a:picLocks noChangeAspect="1"/>
+          </p:cNvPicPr>
+          <p:nvPr/>
+        </p:nvPicPr>
+        <p:blipFill>
+          <a:blip r:embed="rId1"/>
+          <a:stretch>
+            <a:fillRect/>
+          </a:stretch>
+        </p:blipFill>
+        <p:spPr>
+          <a:xfrm>
+            <a:off x="274320" y="137160"/>
+            <a:ext cx="1097280" cy="457200"/>
+          </a:xfrm>
+          <a:prstGeom prst="rect">
+            <a:avLst/>
+          </a:prstGeom>
+        </p:spPr>
+      </p:pic>
+      <p:sp>
+        <p:nvSpPr>
+          <p:cNvPr id="3" name="Shape 0"/>
           <p:cNvSpPr/>
           <p:nvPr/>
         </p:nvSpPr>
@@ -4293,7 +4515,7 @@
       </p:sp>
       <p:sp>
         <p:nvSpPr>
-          <p:cNvPr id="3" name="Text 1"/>
+          <p:cNvPr id="4" name="Text 1"/>
           <p:cNvSpPr/>
           <p:nvPr/>
         </p:nvSpPr>
@@ -4332,7 +4554,7 @@
       </p:sp>
       <p:sp>
         <p:nvSpPr>
-          <p:cNvPr id="4" name="Shape 2"/>
+          <p:cNvPr id="5" name="Shape 2"/>
           <p:cNvSpPr/>
           <p:nvPr/>
         </p:nvSpPr>
@@ -4357,7 +4579,7 @@
       </p:sp>
       <p:sp>
         <p:nvSpPr>
-          <p:cNvPr id="5" name="Text 3"/>
+          <p:cNvPr id="6" name="Text 3"/>
           <p:cNvSpPr/>
           <p:nvPr/>
         </p:nvSpPr>
@@ -4388,7 +4610,7 @@
                 <a:ea typeface="Arial" pitchFamily="34" charset="-122"/>
                 <a:cs typeface="Arial" pitchFamily="34" charset="-120"/>
               </a:rPr>
-              <a:t>"Quem aprende a aprender tem vantagem sobre quem apenas sabe coisas."</a:t>
+              <a:t>"Quem aprende a aprender tem vantagem."</a:t>
             </a:r>
             <a:endParaRPr lang="en-US" sz="1600" dirty="0"/>
           </a:p>
@@ -4396,7 +4618,7 @@
       </p:sp>
       <p:sp>
         <p:nvSpPr>
-          <p:cNvPr id="6" name="Text 4"/>
+          <p:cNvPr id="7" name="Text 4"/>
           <p:cNvSpPr/>
           <p:nvPr/>
         </p:nvSpPr>
@@ -4435,7 +4657,7 @@
       </p:sp>
       <p:sp>
         <p:nvSpPr>
-          <p:cNvPr id="7" name="Text 5"/>
+          <p:cNvPr id="8" name="Text 5"/>
           <p:cNvSpPr/>
           <p:nvPr/>
         </p:nvSpPr>

--- a/apresentacoes/foco-produtividade/aula-28-ultra-aprendizado.pptx
+++ b/apresentacoes/foco-produtividade/aula-28-ultra-aprendizado.pptx
@@ -13,10 +13,9 @@
     <p:sldId id="261" r:id="rId7"/>
     <p:sldId id="262" r:id="rId8"/>
     <p:sldId id="263" r:id="rId9"/>
-    <p:sldId id="264" r:id="rId10"/>
   </p:sldIdLst>
   <p:notesMasterIdLst>
-    <p:notesMasterId r:id="rId11"/>
+    <p:notesMasterId r:id="rId10"/>
   </p:notesMasterIdLst>
   <p:sldSz cx="9144000" cy="5143500"/>
   <p:notesSz cx="5143500" cy="9144000"/>
@@ -510,7 +509,8 @@
           <a:p>
             <a:r>
               <a:rPr lang="en-US" dirty="0"/>
-              <a:t/>
+              <a:t>Scott Young completou o currículo de 4 anos de Ciência da Computação do MIT em apenas 1 ano. Sozinho. Usando o que ele chamou de Ultra-Aprendizado.
+Hoje vou te apresentar os 9 princípios que ele (e outros ultra-aprendizes) usam para aprender qualquer coisa de forma acelerada.</a:t>
             </a:r>
             <a:endParaRPr lang="en-US" dirty="0"/>
           </a:p>
@@ -598,7 +598,8 @@
           <a:p>
             <a:r>
               <a:rPr lang="en-US" dirty="0"/>
-              <a:t/>
+              <a:t>Nesta aula, você vai aprender os conceitos principais apresentados nos objetivos. Scott Young completou o currículo de 4 anos de Ciência da Computação do MIT em apenas 1 ano. Sozinho. Usando o que ele chamou de Ultra-Aprendizado.
+Hoje vou te apresentar os 9 princípios que ele</a:t>
             </a:r>
             <a:endParaRPr lang="en-US" dirty="0"/>
           </a:p>
@@ -862,7 +863,7 @@
           <a:p>
             <a:r>
               <a:rPr lang="en-US" dirty="0"/>
-              <a:t/>
+              <a:t>Resumo dos pontos principais da aula.</a:t>
             </a:r>
             <a:endParaRPr lang="en-US" dirty="0"/>
           </a:p>
@@ -950,7 +951,7 @@
           <a:p>
             <a:r>
               <a:rPr lang="en-US" dirty="0"/>
-              <a:t/>
+              <a:t>Este infográfico resume visualmente os principais conceitos da aula. Use-o para reforçar o aprendizado.</a:t>
             </a:r>
             <a:endParaRPr lang="en-US" dirty="0"/>
           </a:p>
@@ -1038,7 +1039,12 @@
           <a:p>
             <a:r>
               <a:rPr lang="en-US" dirty="0"/>
-              <a:t/>
+              <a:t>Agora é hora da prática! 1. Escolha um objetivo de aprendizado específico
+2. Aplique os princípios:
+   - Metalearning: Como outros aprenderam isso?
+   - Direcionamento: Qual a prática mais direta?
+   - Drilling: Quais são meus pontos fracos potenciais?
+   - Recuperação: Como vou testar a mim mesmo?</a:t>
             </a:r>
             <a:endParaRPr lang="en-US" dirty="0"/>
           </a:p>
@@ -1126,7 +1132,7 @@
           <a:p>
             <a:r>
               <a:rPr lang="en-US" dirty="0"/>
-              <a:t/>
+              <a:t>Ultra-aprendizado não é para uso diário - é intenso demais. Mas para projetos específicos com prazo (concurso, prova importante, nova habilidade), esses princípios podem acelerar dramaticamente seu progresso.</a:t>
             </a:r>
             <a:endParaRPr lang="en-US" dirty="0"/>
           </a:p>
@@ -1150,94 +1156,6 @@
             <a:fld id="{F7021451-1387-4CA6-816F-3879F97B5CBC}" type="slidenum">
               <a:rPr lang="en-US"/>
               <a:t>8</a:t>
-            </a:fld>
-            <a:endParaRPr lang="en-US"/>
-          </a:p>
-        </p:txBody>
-      </p:sp>
-    </p:spTree>
-    <p:extLst>
-      <p:ext uri="{BB962C8B-B14F-4D97-AF65-F5344CB8AC3E}">
-        <p14:creationId xmlns:p14="http://schemas.microsoft.com/office/powerpoint/2010/main" val="1024086991"/>
-      </p:ext>
-    </p:extLst>
-  </p:cSld>
-  <p:clrMapOvr>
-    <a:masterClrMapping/>
-  </p:clrMapOvr>
-</p:notes>
-</file>
-
-<file path=ppt/notesSlides/notesSlide9.xml><?xml version="1.0" encoding="utf-8"?>
-<p:notes xmlns:a="http://schemas.openxmlformats.org/drawingml/2006/main" xmlns:r="http://schemas.openxmlformats.org/officeDocument/2006/relationships" xmlns:p="http://schemas.openxmlformats.org/presentationml/2006/main">
-  <p:cSld>
-    <p:spTree>
-      <p:nvGrpSpPr>
-        <p:cNvPr id="1" name=""/>
-        <p:cNvGrpSpPr/>
-        <p:nvPr/>
-      </p:nvGrpSpPr>
-      <p:grpSpPr>
-        <a:xfrm>
-          <a:off x="0" y="0"/>
-          <a:ext cx="0" cy="0"/>
-          <a:chOff x="0" y="0"/>
-          <a:chExt cx="0" cy="0"/>
-        </a:xfrm>
-      </p:grpSpPr>
-      <p:sp>
-        <p:nvSpPr>
-          <p:cNvPr id="2" name="Slide Image Placeholder 1"/>
-          <p:cNvSpPr>
-            <a:spLocks noGrp="1" noRot="1" noChangeAspect="1"/>
-          </p:cNvSpPr>
-          <p:nvPr>
-            <p:ph type="sldImg"/>
-          </p:nvPr>
-        </p:nvSpPr>
-        <p:spPr/>
-      </p:sp>
-      <p:sp>
-        <p:nvSpPr>
-          <p:cNvPr id="3" name="Notes Placeholder 2"/>
-          <p:cNvSpPr>
-            <a:spLocks noGrp="1"/>
-          </p:cNvSpPr>
-          <p:nvPr>
-            <p:ph type="body" idx="1"/>
-          </p:nvPr>
-        </p:nvSpPr>
-        <p:spPr/>
-        <p:txBody>
-          <a:bodyPr/>
-          <a:lstStyle/>
-          <a:p>
-            <a:r>
-              <a:rPr lang="en-US" dirty="0"/>
-              <a:t/>
-            </a:r>
-            <a:endParaRPr lang="en-US" dirty="0"/>
-          </a:p>
-        </p:txBody>
-      </p:sp>
-      <p:sp>
-        <p:nvSpPr>
-          <p:cNvPr id="4" name="Slide Number Placeholder 3"/>
-          <p:cNvSpPr>
-            <a:spLocks noGrp="1"/>
-          </p:cNvSpPr>
-          <p:nvPr>
-            <p:ph type="sldNum" sz="quarter" idx="10"/>
-          </p:nvPr>
-        </p:nvSpPr>
-        <p:spPr/>
-        <p:txBody>
-          <a:bodyPr/>
-          <a:lstStyle/>
-          <a:p>
-            <a:fld id="{F7021451-1387-4CA6-816F-3879F97B5CBC}" type="slidenum">
-              <a:rPr lang="en-US"/>
-              <a:t>9</a:t>
             </a:fld>
             <a:endParaRPr lang="en-US"/>
           </a:p>
@@ -1640,7 +1558,7 @@
                 <a:ea typeface="Arial" pitchFamily="34" charset="-122"/>
                 <a:cs typeface="Arial" pitchFamily="34" charset="-120"/>
               </a:rPr>
-              <a:t>Módulo 2 - Maestria | Bloco: Maestria</a:t>
+              <a:t>2 - Foco Disperso e Maestria | Bloco: Maestria</a:t>
             </a:r>
             <a:endParaRPr lang="en-US" sz="1400" dirty="0"/>
           </a:p>
@@ -1881,7 +1799,7 @@
                 <a:ea typeface="Arial" pitchFamily="34" charset="-122"/>
                 <a:cs typeface="Arial" pitchFamily="34" charset="-120"/>
               </a:rPr>
-              <a:t>⏱ Duração: ~25 min</a:t>
+              <a:t>⏱ Duração: ~25 minutos</a:t>
             </a:r>
             <a:endParaRPr lang="en-US" sz="1100" dirty="0"/>
           </a:p>
@@ -1945,7 +1863,7 @@
                 <a:ea typeface="Arial" pitchFamily="34" charset="-122"/>
                 <a:cs typeface="Arial" pitchFamily="34" charset="-120"/>
               </a:rPr>
-              <a:t>📚 Nível: Intermediário</a:t>
+              <a:t>📚 Nível: Avançado</a:t>
             </a:r>
             <a:endParaRPr lang="en-US" sz="1100" dirty="0"/>
           </a:p>
@@ -2017,7 +1935,7 @@
       </p:sp>
       <p:pic>
         <p:nvPicPr>
-          <p:cNvPr id="16" name="Image 0" descr="preencoded.png">    </p:cNvPr>
+          <p:cNvPr id="17" name="Image 0" descr="preencoded.png">    </p:cNvPr>
           <p:cNvPicPr>
             <a:picLocks noChangeAspect="1"/>
           </p:cNvPicPr>
@@ -2138,375 +2056,6 @@
         </p:nvSpPr>
         <p:spPr>
           <a:xfrm>
-            <a:off x="457200" y="1097280"/>
-            <a:ext cx="8229600" cy="822960"/>
-          </a:xfrm>
-          <a:prstGeom prst="roundRect">
-            <a:avLst/>
-          </a:prstGeom>
-          <a:solidFill>
-            <a:srgbClr val="2A2A4A"/>
-          </a:solidFill>
-          <a:ln w="25400">
-            <a:solidFill>
-              <a:srgbClr val="667EEA"/>
-            </a:solidFill>
-            <a:prstDash val="solid"/>
-          </a:ln>
-        </p:spPr>
-      </p:sp>
-      <p:sp>
-        <p:nvSpPr>
-          <p:cNvPr id="5" name="Shape 3"/>
-          <p:cNvSpPr/>
-          <p:nvPr/>
-        </p:nvSpPr>
-        <p:spPr>
-          <a:xfrm>
-            <a:off x="640080" y="1234440"/>
-            <a:ext cx="548640" cy="548640"/>
-          </a:xfrm>
-          <a:prstGeom prst="ellipse">
-            <a:avLst/>
-          </a:prstGeom>
-          <a:solidFill>
-            <a:srgbClr val="667EEA"/>
-          </a:solidFill>
-          <a:ln/>
-        </p:spPr>
-      </p:sp>
-      <p:sp>
-        <p:nvSpPr>
-          <p:cNvPr id="6" name="Text 4"/>
-          <p:cNvSpPr/>
-          <p:nvPr/>
-        </p:nvSpPr>
-        <p:spPr>
-          <a:xfrm>
-            <a:off x="640080" y="1325880"/>
-            <a:ext cx="548640" cy="365760"/>
-          </a:xfrm>
-          <a:prstGeom prst="rect">
-            <a:avLst/>
-          </a:prstGeom>
-          <a:noFill/>
-          <a:ln/>
-        </p:spPr>
-        <p:txBody>
-          <a:bodyPr wrap="square" rtlCol="0" anchor="ctr"/>
-          <a:lstStyle/>
-          <a:p>
-            <a:pPr algn="ctr" indent="0" marL="0">
-              <a:buNone/>
-            </a:pPr>
-            <a:r>
-              <a:rPr lang="en-US" sz="1800" b="1" dirty="0">
-                <a:solidFill>
-                  <a:srgbClr val="FFFFFF"/>
-                </a:solidFill>
-                <a:latin typeface="Arial" pitchFamily="34" charset="0"/>
-                <a:ea typeface="Arial" pitchFamily="34" charset="-122"/>
-                <a:cs typeface="Arial" pitchFamily="34" charset="-120"/>
-              </a:rPr>
-              <a:t>1</a:t>
-            </a:r>
-            <a:endParaRPr lang="en-US" sz="1800" dirty="0"/>
-          </a:p>
-        </p:txBody>
-      </p:sp>
-      <p:sp>
-        <p:nvSpPr>
-          <p:cNvPr id="7" name="Text 5"/>
-          <p:cNvSpPr/>
-          <p:nvPr/>
-        </p:nvSpPr>
-        <p:spPr>
-          <a:xfrm>
-            <a:off x="1371600" y="1325880"/>
-            <a:ext cx="7132320" cy="457200"/>
-          </a:xfrm>
-          <a:prstGeom prst="rect">
-            <a:avLst/>
-          </a:prstGeom>
-          <a:noFill/>
-          <a:ln/>
-        </p:spPr>
-        <p:txBody>
-          <a:bodyPr wrap="square" rtlCol="0" anchor="ctr"/>
-          <a:lstStyle/>
-          <a:p>
-            <a:pPr indent="0" marL="0">
-              <a:buNone/>
-            </a:pPr>
-            <a:r>
-              <a:rPr lang="en-US" sz="1600" dirty="0">
-                <a:solidFill>
-                  <a:srgbClr val="FFFFFF"/>
-                </a:solidFill>
-                <a:latin typeface="Arial" pitchFamily="34" charset="0"/>
-                <a:ea typeface="Arial" pitchFamily="34" charset="-122"/>
-                <a:cs typeface="Arial" pitchFamily="34" charset="-120"/>
-              </a:rPr>
-              <a:t>Entender os 9 princípios do ultra-aprendizado</a:t>
-            </a:r>
-            <a:endParaRPr lang="en-US" sz="1600" dirty="0"/>
-          </a:p>
-        </p:txBody>
-      </p:sp>
-      <p:sp>
-        <p:nvSpPr>
-          <p:cNvPr id="8" name="Shape 6"/>
-          <p:cNvSpPr/>
-          <p:nvPr/>
-        </p:nvSpPr>
-        <p:spPr>
-          <a:xfrm>
-            <a:off x="457200" y="2103120"/>
-            <a:ext cx="8229600" cy="822960"/>
-          </a:xfrm>
-          <a:prstGeom prst="roundRect">
-            <a:avLst/>
-          </a:prstGeom>
-          <a:solidFill>
-            <a:srgbClr val="2A2A4A"/>
-          </a:solidFill>
-          <a:ln w="25400">
-            <a:solidFill>
-              <a:srgbClr val="22C55E"/>
-            </a:solidFill>
-            <a:prstDash val="solid"/>
-          </a:ln>
-        </p:spPr>
-      </p:sp>
-      <p:sp>
-        <p:nvSpPr>
-          <p:cNvPr id="9" name="Shape 7"/>
-          <p:cNvSpPr/>
-          <p:nvPr/>
-        </p:nvSpPr>
-        <p:spPr>
-          <a:xfrm>
-            <a:off x="640080" y="2240280"/>
-            <a:ext cx="548640" cy="548640"/>
-          </a:xfrm>
-          <a:prstGeom prst="ellipse">
-            <a:avLst/>
-          </a:prstGeom>
-          <a:solidFill>
-            <a:srgbClr val="22C55E"/>
-          </a:solidFill>
-          <a:ln/>
-        </p:spPr>
-      </p:sp>
-      <p:sp>
-        <p:nvSpPr>
-          <p:cNvPr id="10" name="Text 8"/>
-          <p:cNvSpPr/>
-          <p:nvPr/>
-        </p:nvSpPr>
-        <p:spPr>
-          <a:xfrm>
-            <a:off x="640080" y="2331720"/>
-            <a:ext cx="548640" cy="365760"/>
-          </a:xfrm>
-          <a:prstGeom prst="rect">
-            <a:avLst/>
-          </a:prstGeom>
-          <a:noFill/>
-          <a:ln/>
-        </p:spPr>
-        <p:txBody>
-          <a:bodyPr wrap="square" rtlCol="0" anchor="ctr"/>
-          <a:lstStyle/>
-          <a:p>
-            <a:pPr algn="ctr" indent="0" marL="0">
-              <a:buNone/>
-            </a:pPr>
-            <a:r>
-              <a:rPr lang="en-US" sz="1800" b="1" dirty="0">
-                <a:solidFill>
-                  <a:srgbClr val="FFFFFF"/>
-                </a:solidFill>
-                <a:latin typeface="Arial" pitchFamily="34" charset="0"/>
-                <a:ea typeface="Arial" pitchFamily="34" charset="-122"/>
-                <a:cs typeface="Arial" pitchFamily="34" charset="-120"/>
-              </a:rPr>
-              <a:t>2</a:t>
-            </a:r>
-            <a:endParaRPr lang="en-US" sz="1800" dirty="0"/>
-          </a:p>
-        </p:txBody>
-      </p:sp>
-      <p:sp>
-        <p:nvSpPr>
-          <p:cNvPr id="11" name="Text 9"/>
-          <p:cNvSpPr/>
-          <p:nvPr/>
-        </p:nvSpPr>
-        <p:spPr>
-          <a:xfrm>
-            <a:off x="1371600" y="2331720"/>
-            <a:ext cx="7132320" cy="457200"/>
-          </a:xfrm>
-          <a:prstGeom prst="rect">
-            <a:avLst/>
-          </a:prstGeom>
-          <a:noFill/>
-          <a:ln/>
-        </p:spPr>
-        <p:txBody>
-          <a:bodyPr wrap="square" rtlCol="0" anchor="ctr"/>
-          <a:lstStyle/>
-          <a:p>
-            <a:pPr indent="0" marL="0">
-              <a:buNone/>
-            </a:pPr>
-            <a:r>
-              <a:rPr lang="en-US" sz="1600" dirty="0">
-                <a:solidFill>
-                  <a:srgbClr val="FFFFFF"/>
-                </a:solidFill>
-                <a:latin typeface="Arial" pitchFamily="34" charset="0"/>
-                <a:ea typeface="Arial" pitchFamily="34" charset="-122"/>
-                <a:cs typeface="Arial" pitchFamily="34" charset="-120"/>
-              </a:rPr>
-              <a:t>Aplicar em projeto intensivo</a:t>
-            </a:r>
-            <a:endParaRPr lang="en-US" sz="1600" dirty="0"/>
-          </a:p>
-        </p:txBody>
-      </p:sp>
-      <p:sp>
-        <p:nvSpPr>
-          <p:cNvPr id="12" name="Shape 10"/>
-          <p:cNvSpPr/>
-          <p:nvPr/>
-        </p:nvSpPr>
-        <p:spPr>
-          <a:xfrm>
-            <a:off x="457200" y="3108960"/>
-            <a:ext cx="8229600" cy="822960"/>
-          </a:xfrm>
-          <a:prstGeom prst="roundRect">
-            <a:avLst/>
-          </a:prstGeom>
-          <a:solidFill>
-            <a:srgbClr val="2A2A4A"/>
-          </a:solidFill>
-          <a:ln w="25400">
-            <a:solidFill>
-              <a:srgbClr val="3B82F6"/>
-            </a:solidFill>
-            <a:prstDash val="solid"/>
-          </a:ln>
-        </p:spPr>
-      </p:sp>
-      <p:sp>
-        <p:nvSpPr>
-          <p:cNvPr id="13" name="Shape 11"/>
-          <p:cNvSpPr/>
-          <p:nvPr/>
-        </p:nvSpPr>
-        <p:spPr>
-          <a:xfrm>
-            <a:off x="640080" y="3246120"/>
-            <a:ext cx="548640" cy="548640"/>
-          </a:xfrm>
-          <a:prstGeom prst="ellipse">
-            <a:avLst/>
-          </a:prstGeom>
-          <a:solidFill>
-            <a:srgbClr val="3B82F6"/>
-          </a:solidFill>
-          <a:ln/>
-        </p:spPr>
-      </p:sp>
-      <p:sp>
-        <p:nvSpPr>
-          <p:cNvPr id="14" name="Text 12"/>
-          <p:cNvSpPr/>
-          <p:nvPr/>
-        </p:nvSpPr>
-        <p:spPr>
-          <a:xfrm>
-            <a:off x="640080" y="3337560"/>
-            <a:ext cx="548640" cy="365760"/>
-          </a:xfrm>
-          <a:prstGeom prst="rect">
-            <a:avLst/>
-          </a:prstGeom>
-          <a:noFill/>
-          <a:ln/>
-        </p:spPr>
-        <p:txBody>
-          <a:bodyPr wrap="square" rtlCol="0" anchor="ctr"/>
-          <a:lstStyle/>
-          <a:p>
-            <a:pPr algn="ctr" indent="0" marL="0">
-              <a:buNone/>
-            </a:pPr>
-            <a:r>
-              <a:rPr lang="en-US" sz="1800" b="1" dirty="0">
-                <a:solidFill>
-                  <a:srgbClr val="FFFFFF"/>
-                </a:solidFill>
-                <a:latin typeface="Arial" pitchFamily="34" charset="0"/>
-                <a:ea typeface="Arial" pitchFamily="34" charset="-122"/>
-                <a:cs typeface="Arial" pitchFamily="34" charset="-120"/>
-              </a:rPr>
-              <a:t>3</a:t>
-            </a:r>
-            <a:endParaRPr lang="en-US" sz="1800" dirty="0"/>
-          </a:p>
-        </p:txBody>
-      </p:sp>
-      <p:sp>
-        <p:nvSpPr>
-          <p:cNvPr id="15" name="Text 13"/>
-          <p:cNvSpPr/>
-          <p:nvPr/>
-        </p:nvSpPr>
-        <p:spPr>
-          <a:xfrm>
-            <a:off x="1371600" y="3337560"/>
-            <a:ext cx="7132320" cy="457200"/>
-          </a:xfrm>
-          <a:prstGeom prst="rect">
-            <a:avLst/>
-          </a:prstGeom>
-          <a:noFill/>
-          <a:ln/>
-        </p:spPr>
-        <p:txBody>
-          <a:bodyPr wrap="square" rtlCol="0" anchor="ctr"/>
-          <a:lstStyle/>
-          <a:p>
-            <a:pPr indent="0" marL="0">
-              <a:buNone/>
-            </a:pPr>
-            <a:r>
-              <a:rPr lang="en-US" sz="1600" dirty="0">
-                <a:solidFill>
-                  <a:srgbClr val="FFFFFF"/>
-                </a:solidFill>
-                <a:latin typeface="Arial" pitchFamily="34" charset="0"/>
-                <a:ea typeface="Arial" pitchFamily="34" charset="-122"/>
-                <a:cs typeface="Arial" pitchFamily="34" charset="-120"/>
-              </a:rPr>
-              <a:t>Saber quando usar (e quando não)</a:t>
-            </a:r>
-            <a:endParaRPr lang="en-US" sz="1600" dirty="0"/>
-          </a:p>
-        </p:txBody>
-      </p:sp>
-      <p:sp>
-        <p:nvSpPr>
-          <p:cNvPr id="16" name="Shape 14"/>
-          <p:cNvSpPr/>
-          <p:nvPr/>
-        </p:nvSpPr>
-        <p:spPr>
-          <a:xfrm>
             <a:off x="8869680" y="1097280"/>
             <a:ext cx="91440" cy="3017520"/>
           </a:xfrm>
@@ -2521,7 +2070,7 @@
       </p:sp>
       <p:pic>
         <p:nvPicPr>
-          <p:cNvPr id="17" name="Image 0" descr="preencoded.png">    </p:cNvPr>
+          <p:cNvPr id="6" name="Image 0" descr="preencoded.png">    </p:cNvPr>
           <p:cNvPicPr>
             <a:picLocks noChangeAspect="1"/>
           </p:cNvPicPr>
@@ -2604,7 +2153,7 @@
         <p:spPr>
           <a:xfrm>
             <a:off x="0" y="777240"/>
-            <a:ext cx="2286000" cy="45720"/>
+            <a:ext cx="4572000" cy="45720"/>
           </a:xfrm>
           <a:prstGeom prst="rect">
             <a:avLst/>
@@ -2707,7 +2256,7 @@
                 <a:ea typeface="Arial" pitchFamily="34" charset="-122"/>
                 <a:cs typeface="Arial" pitchFamily="34" charset="-120"/>
               </a:rPr>
-              <a:t>Princípios 1-4</a:t>
+              <a:t>Aplicando na prática</a:t>
             </a:r>
             <a:endParaRPr lang="en-US" sz="2000" dirty="0"/>
           </a:p>
@@ -2722,7 +2271,7 @@
         <p:spPr>
           <a:xfrm>
             <a:off x="457200" y="1097280"/>
-            <a:ext cx="3931920" cy="777240"/>
+            <a:ext cx="8229600" cy="777240"/>
           </a:xfrm>
           <a:prstGeom prst="roundRect">
             <a:avLst/>
@@ -2806,7 +2355,7 @@
         <p:spPr>
           <a:xfrm>
             <a:off x="960120" y="1325880"/>
-            <a:ext cx="3200400" cy="411480"/>
+            <a:ext cx="7498080" cy="411480"/>
           </a:xfrm>
           <a:prstGeom prst="rect">
             <a:avLst/>
@@ -2830,7 +2379,7 @@
                 <a:ea typeface="Arial" pitchFamily="34" charset="-122"/>
                 <a:cs typeface="Arial" pitchFamily="34" charset="-120"/>
               </a:rPr>
-              <a:t>1. Metalearning: aprenda a aprender aquilo</a:t>
+              <a:t>Projeto de ultra-aprendizado pessoal</a:t>
             </a:r>
             <a:endParaRPr lang="en-US" sz="1400" dirty="0"/>
           </a:p>
@@ -2844,8 +2393,8 @@
         </p:nvSpPr>
         <p:spPr>
           <a:xfrm>
-            <a:off x="4572000" y="1097280"/>
-            <a:ext cx="3931920" cy="777240"/>
+            <a:off x="457200" y="2011680"/>
+            <a:ext cx="8229600" cy="777240"/>
           </a:xfrm>
           <a:prstGeom prst="roundRect">
             <a:avLst/>
@@ -2869,7 +2418,7 @@
         </p:nvSpPr>
         <p:spPr>
           <a:xfrm>
-            <a:off x="4572000" y="1097280"/>
+            <a:off x="457200" y="2011680"/>
             <a:ext cx="109728" cy="777240"/>
           </a:xfrm>
           <a:prstGeom prst="rect">
@@ -2889,7 +2438,7 @@
         </p:nvSpPr>
         <p:spPr>
           <a:xfrm>
-            <a:off x="4800600" y="1325880"/>
+            <a:off x="685800" y="2240280"/>
             <a:ext cx="274320" cy="320040"/>
           </a:xfrm>
           <a:prstGeom prst="rect">
@@ -2928,8 +2477,8 @@
         </p:nvSpPr>
         <p:spPr>
           <a:xfrm>
-            <a:off x="5074920" y="1325880"/>
-            <a:ext cx="3200400" cy="411480"/>
+            <a:off x="960120" y="2240280"/>
+            <a:ext cx="7498080" cy="411480"/>
           </a:xfrm>
           <a:prstGeom prst="rect">
             <a:avLst/>
@@ -2953,7 +2502,7 @@
                 <a:ea typeface="Arial" pitchFamily="34" charset="-122"/>
                 <a:cs typeface="Arial" pitchFamily="34" charset="-120"/>
               </a:rPr>
-              <a:t>2. Foco: intensidade supera quantidade</a:t>
+              <a:t>Imersão intensiva</a:t>
             </a:r>
             <a:endParaRPr lang="en-US" sz="1400" dirty="0"/>
           </a:p>
@@ -2967,8 +2516,8 @@
         </p:nvSpPr>
         <p:spPr>
           <a:xfrm>
-            <a:off x="457200" y="2011680"/>
-            <a:ext cx="3931920" cy="777240"/>
+            <a:off x="457200" y="2926080"/>
+            <a:ext cx="8229600" cy="777240"/>
           </a:xfrm>
           <a:prstGeom prst="roundRect">
             <a:avLst/>
@@ -2992,7 +2541,7 @@
         </p:nvSpPr>
         <p:spPr>
           <a:xfrm>
-            <a:off x="457200" y="2011680"/>
+            <a:off x="457200" y="2926080"/>
             <a:ext cx="109728" cy="777240"/>
           </a:xfrm>
           <a:prstGeom prst="rect">
@@ -3012,7 +2561,7 @@
         </p:nvSpPr>
         <p:spPr>
           <a:xfrm>
-            <a:off x="685800" y="2240280"/>
+            <a:off x="685800" y="3154680"/>
             <a:ext cx="274320" cy="320040"/>
           </a:xfrm>
           <a:prstGeom prst="rect">
@@ -3051,8 +2600,8 @@
         </p:nvSpPr>
         <p:spPr>
           <a:xfrm>
-            <a:off x="960120" y="2240280"/>
-            <a:ext cx="3200400" cy="411480"/>
+            <a:off x="960120" y="3154680"/>
+            <a:ext cx="7498080" cy="411480"/>
           </a:xfrm>
           <a:prstGeom prst="rect">
             <a:avLst/>
@@ -3076,7 +2625,7 @@
                 <a:ea typeface="Arial" pitchFamily="34" charset="-122"/>
                 <a:cs typeface="Arial" pitchFamily="34" charset="-120"/>
               </a:rPr>
-              <a:t>3. Direcionamento: pratique a coisa real</a:t>
+              <a:t>Desconforto produtivo</a:t>
             </a:r>
             <a:endParaRPr lang="en-US" sz="1400" dirty="0"/>
           </a:p>
@@ -3085,129 +2634,6 @@
       <p:sp>
         <p:nvSpPr>
           <p:cNvPr id="19" name="Shape 17"/>
-          <p:cNvSpPr/>
-          <p:nvPr/>
-        </p:nvSpPr>
-        <p:spPr>
-          <a:xfrm>
-            <a:off x="4572000" y="2011680"/>
-            <a:ext cx="3931920" cy="777240"/>
-          </a:xfrm>
-          <a:prstGeom prst="roundRect">
-            <a:avLst/>
-          </a:prstGeom>
-          <a:solidFill>
-            <a:srgbClr val="2A2A4A"/>
-          </a:solidFill>
-          <a:ln w="19050">
-            <a:solidFill>
-              <a:srgbClr val="667EEA"/>
-            </a:solidFill>
-            <a:prstDash val="solid"/>
-          </a:ln>
-        </p:spPr>
-      </p:sp>
-      <p:sp>
-        <p:nvSpPr>
-          <p:cNvPr id="20" name="Shape 18"/>
-          <p:cNvSpPr/>
-          <p:nvPr/>
-        </p:nvSpPr>
-        <p:spPr>
-          <a:xfrm>
-            <a:off x="4572000" y="2011680"/>
-            <a:ext cx="109728" cy="777240"/>
-          </a:xfrm>
-          <a:prstGeom prst="rect">
-            <a:avLst/>
-          </a:prstGeom>
-          <a:solidFill>
-            <a:srgbClr val="667EEA"/>
-          </a:solidFill>
-          <a:ln/>
-        </p:spPr>
-      </p:sp>
-      <p:sp>
-        <p:nvSpPr>
-          <p:cNvPr id="21" name="Text 19"/>
-          <p:cNvSpPr/>
-          <p:nvPr/>
-        </p:nvSpPr>
-        <p:spPr>
-          <a:xfrm>
-            <a:off x="4800600" y="2240280"/>
-            <a:ext cx="274320" cy="320040"/>
-          </a:xfrm>
-          <a:prstGeom prst="rect">
-            <a:avLst/>
-          </a:prstGeom>
-          <a:noFill/>
-          <a:ln/>
-        </p:spPr>
-        <p:txBody>
-          <a:bodyPr wrap="square" rtlCol="0" anchor="ctr"/>
-          <a:lstStyle/>
-          <a:p>
-            <a:pPr indent="0" marL="0">
-              <a:buNone/>
-            </a:pPr>
-            <a:r>
-              <a:rPr lang="en-US" sz="1600" b="1" dirty="0">
-                <a:solidFill>
-                  <a:srgbClr val="667EEA"/>
-                </a:solidFill>
-                <a:latin typeface="Arial" pitchFamily="34" charset="0"/>
-                <a:ea typeface="Arial" pitchFamily="34" charset="-122"/>
-                <a:cs typeface="Arial" pitchFamily="34" charset="-120"/>
-              </a:rPr>
-              <a:t>▸</a:t>
-            </a:r>
-            <a:endParaRPr lang="en-US" sz="1600" dirty="0"/>
-          </a:p>
-        </p:txBody>
-      </p:sp>
-      <p:sp>
-        <p:nvSpPr>
-          <p:cNvPr id="22" name="Text 20"/>
-          <p:cNvSpPr/>
-          <p:nvPr/>
-        </p:nvSpPr>
-        <p:spPr>
-          <a:xfrm>
-            <a:off x="5074920" y="2240280"/>
-            <a:ext cx="3200400" cy="411480"/>
-          </a:xfrm>
-          <a:prstGeom prst="rect">
-            <a:avLst/>
-          </a:prstGeom>
-          <a:noFill/>
-          <a:ln/>
-        </p:spPr>
-        <p:txBody>
-          <a:bodyPr wrap="square" rtlCol="0" anchor="ctr"/>
-          <a:lstStyle/>
-          <a:p>
-            <a:pPr indent="0" marL="0">
-              <a:buNone/>
-            </a:pPr>
-            <a:r>
-              <a:rPr lang="en-US" sz="1400" dirty="0">
-                <a:solidFill>
-                  <a:srgbClr val="FFFFFF"/>
-                </a:solidFill>
-                <a:latin typeface="Arial" pitchFamily="34" charset="0"/>
-                <a:ea typeface="Arial" pitchFamily="34" charset="-122"/>
-                <a:cs typeface="Arial" pitchFamily="34" charset="-120"/>
-              </a:rPr>
-              <a:t>4. Drilling: ataque pontos fracos</a:t>
-            </a:r>
-            <a:endParaRPr lang="en-US" sz="1400" dirty="0"/>
-          </a:p>
-        </p:txBody>
-      </p:sp>
-      <p:sp>
-        <p:nvSpPr>
-          <p:cNvPr id="23" name="Shape 21"/>
           <p:cNvSpPr/>
           <p:nvPr/>
         </p:nvSpPr>
@@ -3222,42 +2648,12 @@
           <a:solidFill>
             <a:srgbClr val="667EEA"/>
           </a:solidFill>
-          <a:ln w="12700">
-            <a:solidFill>
-              <a:srgbClr val="000000"/>
-            </a:solidFill>
-            <a:prstDash val="solid"/>
-          </a:ln>
-        </p:spPr>
-      </p:sp>
-      <p:sp>
-        <p:nvSpPr>
-          <p:cNvPr id="24" name="Shape 22"/>
-          <p:cNvSpPr/>
-          <p:nvPr/>
-        </p:nvSpPr>
-        <p:spPr>
-          <a:xfrm>
-            <a:off x="8503920" y="4297680"/>
-            <a:ext cx="274320" cy="274320"/>
-          </a:xfrm>
-          <a:prstGeom prst="rect">
-            <a:avLst/>
-          </a:prstGeom>
-          <a:solidFill>
-            <a:srgbClr val="2A2A4A"/>
-          </a:solidFill>
-          <a:ln w="12700">
-            <a:solidFill>
-              <a:srgbClr val="667EEA"/>
-            </a:solidFill>
-            <a:prstDash val="solid"/>
-          </a:ln>
+          <a:ln/>
         </p:spPr>
       </p:sp>
       <p:pic>
         <p:nvPicPr>
-          <p:cNvPr id="25" name="Image 0" descr="preencoded.png">    </p:cNvPr>
+          <p:cNvPr id="20" name="Image 0" descr="preencoded.png">    </p:cNvPr>
           <p:cNvPicPr>
             <a:picLocks noChangeAspect="1"/>
           </p:cNvPicPr>
@@ -3340,7 +2736,7 @@
         <p:spPr>
           <a:xfrm>
             <a:off x="0" y="777240"/>
-            <a:ext cx="4572000" cy="45720"/>
+            <a:ext cx="9144000" cy="45720"/>
           </a:xfrm>
           <a:prstGeom prst="rect">
             <a:avLst/>
@@ -3443,7 +2839,7 @@
                 <a:ea typeface="Arial" pitchFamily="34" charset="-122"/>
                 <a:cs typeface="Arial" pitchFamily="34" charset="-120"/>
               </a:rPr>
-              <a:t>Princípios 5-9</a:t>
+              <a:t>Quando usar (e quando não usar)</a:t>
             </a:r>
             <a:endParaRPr lang="en-US" sz="2000" dirty="0"/>
           </a:p>
@@ -3566,7 +2962,7 @@
                 <a:ea typeface="Arial" pitchFamily="34" charset="-122"/>
                 <a:cs typeface="Arial" pitchFamily="34" charset="-120"/>
               </a:rPr>
-              <a:t>5. Recuperação: testar &gt; revisar</a:t>
+              <a:t>Projetos de tempo limitado</a:t>
             </a:r>
             <a:endParaRPr lang="en-US" sz="1400" dirty="0"/>
           </a:p>
@@ -3689,7 +3085,7 @@
                 <a:ea typeface="Arial" pitchFamily="34" charset="-122"/>
                 <a:cs typeface="Arial" pitchFamily="34" charset="-120"/>
               </a:rPr>
-              <a:t>6. Feedback: externo e rápido</a:t>
+              <a:t>Preparação para provas</a:t>
             </a:r>
             <a:endParaRPr lang="en-US" sz="1400" dirty="0"/>
           </a:p>
@@ -3812,7 +3208,7 @@
                 <a:ea typeface="Arial" pitchFamily="34" charset="-122"/>
                 <a:cs typeface="Arial" pitchFamily="34" charset="-120"/>
               </a:rPr>
-              <a:t>7. Retenção: espaçamento e mnemonics</a:t>
+              <a:t>Limites e riscos</a:t>
             </a:r>
             <a:endParaRPr lang="en-US" sz="1400" dirty="0"/>
           </a:p>
@@ -3935,7 +3331,7 @@
                 <a:ea typeface="Arial" pitchFamily="34" charset="-122"/>
                 <a:cs typeface="Arial" pitchFamily="34" charset="-120"/>
               </a:rPr>
-              <a:t>8. Intuição: entenda profundamente</a:t>
+              <a:t>Integrando com aprendizado normal</a:t>
             </a:r>
             <a:endParaRPr lang="en-US" sz="1400" dirty="0"/>
           </a:p>
@@ -3944,129 +3340,6 @@
       <p:sp>
         <p:nvSpPr>
           <p:cNvPr id="23" name="Shape 21"/>
-          <p:cNvSpPr/>
-          <p:nvPr/>
-        </p:nvSpPr>
-        <p:spPr>
-          <a:xfrm>
-            <a:off x="457200" y="2926080"/>
-            <a:ext cx="3931920" cy="777240"/>
-          </a:xfrm>
-          <a:prstGeom prst="roundRect">
-            <a:avLst/>
-          </a:prstGeom>
-          <a:solidFill>
-            <a:srgbClr val="2A2A4A"/>
-          </a:solidFill>
-          <a:ln w="19050">
-            <a:solidFill>
-              <a:srgbClr val="22C55E"/>
-            </a:solidFill>
-            <a:prstDash val="solid"/>
-          </a:ln>
-        </p:spPr>
-      </p:sp>
-      <p:sp>
-        <p:nvSpPr>
-          <p:cNvPr id="24" name="Shape 22"/>
-          <p:cNvSpPr/>
-          <p:nvPr/>
-        </p:nvSpPr>
-        <p:spPr>
-          <a:xfrm>
-            <a:off x="457200" y="2926080"/>
-            <a:ext cx="109728" cy="777240"/>
-          </a:xfrm>
-          <a:prstGeom prst="rect">
-            <a:avLst/>
-          </a:prstGeom>
-          <a:solidFill>
-            <a:srgbClr val="22C55E"/>
-          </a:solidFill>
-          <a:ln/>
-        </p:spPr>
-      </p:sp>
-      <p:sp>
-        <p:nvSpPr>
-          <p:cNvPr id="25" name="Text 23"/>
-          <p:cNvSpPr/>
-          <p:nvPr/>
-        </p:nvSpPr>
-        <p:spPr>
-          <a:xfrm>
-            <a:off x="685800" y="3154680"/>
-            <a:ext cx="274320" cy="320040"/>
-          </a:xfrm>
-          <a:prstGeom prst="rect">
-            <a:avLst/>
-          </a:prstGeom>
-          <a:noFill/>
-          <a:ln/>
-        </p:spPr>
-        <p:txBody>
-          <a:bodyPr wrap="square" rtlCol="0" anchor="ctr"/>
-          <a:lstStyle/>
-          <a:p>
-            <a:pPr indent="0" marL="0">
-              <a:buNone/>
-            </a:pPr>
-            <a:r>
-              <a:rPr lang="en-US" sz="1600" b="1" dirty="0">
-                <a:solidFill>
-                  <a:srgbClr val="22C55E"/>
-                </a:solidFill>
-                <a:latin typeface="Arial" pitchFamily="34" charset="0"/>
-                <a:ea typeface="Arial" pitchFamily="34" charset="-122"/>
-                <a:cs typeface="Arial" pitchFamily="34" charset="-120"/>
-              </a:rPr>
-              <a:t>▸</a:t>
-            </a:r>
-            <a:endParaRPr lang="en-US" sz="1600" dirty="0"/>
-          </a:p>
-        </p:txBody>
-      </p:sp>
-      <p:sp>
-        <p:nvSpPr>
-          <p:cNvPr id="26" name="Text 24"/>
-          <p:cNvSpPr/>
-          <p:nvPr/>
-        </p:nvSpPr>
-        <p:spPr>
-          <a:xfrm>
-            <a:off x="960120" y="3154680"/>
-            <a:ext cx="3200400" cy="411480"/>
-          </a:xfrm>
-          <a:prstGeom prst="rect">
-            <a:avLst/>
-          </a:prstGeom>
-          <a:noFill/>
-          <a:ln/>
-        </p:spPr>
-        <p:txBody>
-          <a:bodyPr wrap="square" rtlCol="0" anchor="ctr"/>
-          <a:lstStyle/>
-          <a:p>
-            <a:pPr indent="0" marL="0">
-              <a:buNone/>
-            </a:pPr>
-            <a:r>
-              <a:rPr lang="en-US" sz="1400" dirty="0">
-                <a:solidFill>
-                  <a:srgbClr val="FFFFFF"/>
-                </a:solidFill>
-                <a:latin typeface="Arial" pitchFamily="34" charset="0"/>
-                <a:ea typeface="Arial" pitchFamily="34" charset="-122"/>
-                <a:cs typeface="Arial" pitchFamily="34" charset="-120"/>
-              </a:rPr>
-              <a:t>9. Experimentação: encontre seu método</a:t>
-            </a:r>
-            <a:endParaRPr lang="en-US" sz="1400" dirty="0"/>
-          </a:p>
-        </p:txBody>
-      </p:sp>
-      <p:sp>
-        <p:nvSpPr>
-          <p:cNvPr id="27" name="Shape 25"/>
           <p:cNvSpPr/>
           <p:nvPr/>
         </p:nvSpPr>
@@ -4081,42 +3354,12 @@
           <a:solidFill>
             <a:srgbClr val="22C55E"/>
           </a:solidFill>
-          <a:ln w="12700">
-            <a:solidFill>
-              <a:srgbClr val="000000"/>
-            </a:solidFill>
-            <a:prstDash val="solid"/>
-          </a:ln>
-        </p:spPr>
-      </p:sp>
-      <p:sp>
-        <p:nvSpPr>
-          <p:cNvPr id="28" name="Shape 26"/>
-          <p:cNvSpPr/>
-          <p:nvPr/>
-        </p:nvSpPr>
-        <p:spPr>
-          <a:xfrm>
-            <a:off x="8503920" y="4297680"/>
-            <a:ext cx="274320" cy="274320"/>
-          </a:xfrm>
-          <a:prstGeom prst="rect">
-            <a:avLst/>
-          </a:prstGeom>
-          <a:solidFill>
-            <a:srgbClr val="2A2A4A"/>
-          </a:solidFill>
-          <a:ln w="12700">
-            <a:solidFill>
-              <a:srgbClr val="22C55E"/>
-            </a:solidFill>
-            <a:prstDash val="solid"/>
-          </a:ln>
+          <a:ln/>
         </p:spPr>
       </p:sp>
       <p:pic>
         <p:nvPicPr>
-          <p:cNvPr id="29" name="Image 0" descr="preencoded.png">    </p:cNvPr>
+          <p:cNvPr id="24" name="Image 0" descr="preencoded.png">    </p:cNvPr>
           <p:cNvPicPr>
             <a:picLocks noChangeAspect="1"/>
           </p:cNvPicPr>
@@ -4192,93 +3435,14 @@
       </p:sp>
       <p:sp>
         <p:nvSpPr>
-          <p:cNvPr id="3" name="Shape 1"/>
-          <p:cNvSpPr/>
-          <p:nvPr/>
-        </p:nvSpPr>
-        <p:spPr>
-          <a:xfrm>
-            <a:off x="0" y="777240"/>
-            <a:ext cx="6858000" cy="45720"/>
-          </a:xfrm>
-          <a:prstGeom prst="rect">
-            <a:avLst/>
-          </a:prstGeom>
-          <a:solidFill>
-            <a:srgbClr val="3B82F6"/>
-          </a:solidFill>
-          <a:ln/>
-        </p:spPr>
-      </p:sp>
-      <p:sp>
-        <p:nvSpPr>
-          <p:cNvPr id="4" name="Shape 2"/>
-          <p:cNvSpPr/>
-          <p:nvPr/>
-        </p:nvSpPr>
-        <p:spPr>
-          <a:xfrm>
-            <a:off x="274320" y="137160"/>
-            <a:ext cx="548640" cy="548640"/>
-          </a:xfrm>
-          <a:prstGeom prst="ellipse">
-            <a:avLst/>
-          </a:prstGeom>
-          <a:solidFill>
-            <a:srgbClr val="3B82F6"/>
-          </a:solidFill>
-          <a:ln/>
-        </p:spPr>
-      </p:sp>
-      <p:sp>
-        <p:nvSpPr>
-          <p:cNvPr id="5" name="Text 3"/>
-          <p:cNvSpPr/>
-          <p:nvPr/>
-        </p:nvSpPr>
-        <p:spPr>
-          <a:xfrm>
-            <a:off x="274320" y="228600"/>
-            <a:ext cx="548640" cy="365760"/>
-          </a:xfrm>
-          <a:prstGeom prst="rect">
-            <a:avLst/>
-          </a:prstGeom>
-          <a:noFill/>
-          <a:ln/>
-        </p:spPr>
-        <p:txBody>
-          <a:bodyPr wrap="square" rtlCol="0" anchor="ctr"/>
-          <a:lstStyle/>
-          <a:p>
-            <a:pPr algn="ctr" indent="0" marL="0">
-              <a:buNone/>
-            </a:pPr>
-            <a:r>
-              <a:rPr lang="en-US" sz="1600" b="1" dirty="0">
-                <a:solidFill>
-                  <a:srgbClr val="FFFFFF"/>
-                </a:solidFill>
-                <a:latin typeface="Arial" pitchFamily="34" charset="0"/>
-                <a:ea typeface="Arial" pitchFamily="34" charset="-122"/>
-                <a:cs typeface="Arial" pitchFamily="34" charset="-120"/>
-              </a:rPr>
-              <a:t>3</a:t>
-            </a:r>
-            <a:endParaRPr lang="en-US" sz="1600" dirty="0"/>
-          </a:p>
-        </p:txBody>
-      </p:sp>
-      <p:sp>
-        <p:nvSpPr>
-          <p:cNvPr id="6" name="Text 4"/>
-          <p:cNvSpPr/>
-          <p:nvPr/>
-        </p:nvSpPr>
-        <p:spPr>
-          <a:xfrm>
-            <a:off x="1005840" y="228600"/>
-            <a:ext cx="7772400" cy="457200"/>
+          <p:cNvPr id="3" name="Text 1"/>
+          <p:cNvSpPr/>
+          <p:nvPr/>
+        </p:nvSpPr>
+        <p:spPr>
+          <a:xfrm>
+            <a:off x="457200" y="228600"/>
+            <a:ext cx="8229600" cy="457200"/>
           </a:xfrm>
           <a:prstGeom prst="rect">
             <a:avLst/>
@@ -4302,7 +3466,7 @@
                 <a:ea typeface="Arial" pitchFamily="34" charset="-122"/>
                 <a:cs typeface="Arial" pitchFamily="34" charset="-120"/>
               </a:rPr>
-              <a:t>Aplicando na Prática</a:t>
+              <a:t>✅ Pontos-Chave</a:t>
             </a:r>
             <a:endParaRPr lang="en-US" sz="2000" dirty="0"/>
           </a:p>
@@ -4310,426 +3474,47 @@
       </p:sp>
       <p:sp>
         <p:nvSpPr>
-          <p:cNvPr id="7" name="Shape 5"/>
-          <p:cNvSpPr/>
-          <p:nvPr/>
-        </p:nvSpPr>
-        <p:spPr>
-          <a:xfrm>
-            <a:off x="457200" y="1097280"/>
-            <a:ext cx="8229600" cy="777240"/>
-          </a:xfrm>
-          <a:prstGeom prst="roundRect">
-            <a:avLst/>
-          </a:prstGeom>
-          <a:solidFill>
-            <a:srgbClr val="2A2A4A"/>
-          </a:solidFill>
-          <a:ln w="19050">
-            <a:solidFill>
-              <a:srgbClr val="3B82F6"/>
-            </a:solidFill>
-            <a:prstDash val="solid"/>
-          </a:ln>
-        </p:spPr>
-      </p:sp>
-      <p:sp>
-        <p:nvSpPr>
-          <p:cNvPr id="8" name="Shape 6"/>
-          <p:cNvSpPr/>
-          <p:nvPr/>
-        </p:nvSpPr>
-        <p:spPr>
-          <a:xfrm>
-            <a:off x="457200" y="1097280"/>
-            <a:ext cx="109728" cy="777240"/>
-          </a:xfrm>
-          <a:prstGeom prst="rect">
-            <a:avLst/>
-          </a:prstGeom>
-          <a:solidFill>
-            <a:srgbClr val="3B82F6"/>
-          </a:solidFill>
-          <a:ln/>
-        </p:spPr>
-      </p:sp>
-      <p:sp>
-        <p:nvSpPr>
-          <p:cNvPr id="9" name="Text 7"/>
-          <p:cNvSpPr/>
-          <p:nvPr/>
-        </p:nvSpPr>
-        <p:spPr>
-          <a:xfrm>
-            <a:off x="685800" y="1325880"/>
-            <a:ext cx="274320" cy="320040"/>
-          </a:xfrm>
-          <a:prstGeom prst="rect">
-            <a:avLst/>
-          </a:prstGeom>
-          <a:noFill/>
-          <a:ln/>
-        </p:spPr>
-        <p:txBody>
-          <a:bodyPr wrap="square" rtlCol="0" anchor="ctr"/>
-          <a:lstStyle/>
-          <a:p>
-            <a:pPr indent="0" marL="0">
-              <a:buNone/>
-            </a:pPr>
-            <a:r>
-              <a:rPr lang="en-US" sz="1600" b="1" dirty="0">
-                <a:solidFill>
-                  <a:srgbClr val="3B82F6"/>
-                </a:solidFill>
-                <a:latin typeface="Arial" pitchFamily="34" charset="0"/>
-                <a:ea typeface="Arial" pitchFamily="34" charset="-122"/>
-                <a:cs typeface="Arial" pitchFamily="34" charset="-120"/>
-              </a:rPr>
-              <a:t>▸</a:t>
-            </a:r>
-            <a:endParaRPr lang="en-US" sz="1600" dirty="0"/>
-          </a:p>
-        </p:txBody>
-      </p:sp>
-      <p:sp>
-        <p:nvSpPr>
-          <p:cNvPr id="10" name="Text 8"/>
-          <p:cNvSpPr/>
-          <p:nvPr/>
-        </p:nvSpPr>
-        <p:spPr>
-          <a:xfrm>
-            <a:off x="960120" y="1325880"/>
-            <a:ext cx="7498080" cy="411480"/>
-          </a:xfrm>
-          <a:prstGeom prst="rect">
-            <a:avLst/>
-          </a:prstGeom>
-          <a:noFill/>
-          <a:ln/>
-        </p:spPr>
-        <p:txBody>
-          <a:bodyPr wrap="square" rtlCol="0" anchor="ctr"/>
-          <a:lstStyle/>
-          <a:p>
-            <a:pPr indent="0" marL="0">
-              <a:buNone/>
-            </a:pPr>
-            <a:r>
-              <a:rPr lang="en-US" sz="1400" dirty="0">
-                <a:solidFill>
-                  <a:srgbClr val="FFFFFF"/>
-                </a:solidFill>
-                <a:latin typeface="Arial" pitchFamily="34" charset="0"/>
-                <a:ea typeface="Arial" pitchFamily="34" charset="-122"/>
-                <a:cs typeface="Arial" pitchFamily="34" charset="-120"/>
-              </a:rPr>
-              <a:t>Defina projeto claro com prazo</a:t>
-            </a:r>
-            <a:endParaRPr lang="en-US" sz="1400" dirty="0"/>
-          </a:p>
-        </p:txBody>
-      </p:sp>
-      <p:sp>
-        <p:nvSpPr>
-          <p:cNvPr id="11" name="Shape 9"/>
-          <p:cNvSpPr/>
-          <p:nvPr/>
-        </p:nvSpPr>
-        <p:spPr>
-          <a:xfrm>
-            <a:off x="457200" y="2011680"/>
-            <a:ext cx="8229600" cy="777240"/>
-          </a:xfrm>
-          <a:prstGeom prst="roundRect">
-            <a:avLst/>
-          </a:prstGeom>
-          <a:solidFill>
-            <a:srgbClr val="2A2A4A"/>
-          </a:solidFill>
-          <a:ln w="19050">
-            <a:solidFill>
-              <a:srgbClr val="3B82F6"/>
-            </a:solidFill>
-            <a:prstDash val="solid"/>
-          </a:ln>
-        </p:spPr>
-      </p:sp>
-      <p:sp>
-        <p:nvSpPr>
-          <p:cNvPr id="12" name="Shape 10"/>
-          <p:cNvSpPr/>
-          <p:nvPr/>
-        </p:nvSpPr>
-        <p:spPr>
-          <a:xfrm>
-            <a:off x="457200" y="2011680"/>
-            <a:ext cx="109728" cy="777240"/>
-          </a:xfrm>
-          <a:prstGeom prst="rect">
-            <a:avLst/>
-          </a:prstGeom>
-          <a:solidFill>
-            <a:srgbClr val="3B82F6"/>
-          </a:solidFill>
-          <a:ln/>
-        </p:spPr>
-      </p:sp>
-      <p:sp>
-        <p:nvSpPr>
-          <p:cNvPr id="13" name="Text 11"/>
-          <p:cNvSpPr/>
-          <p:nvPr/>
-        </p:nvSpPr>
-        <p:spPr>
-          <a:xfrm>
-            <a:off x="685800" y="2240280"/>
-            <a:ext cx="274320" cy="320040"/>
-          </a:xfrm>
-          <a:prstGeom prst="rect">
-            <a:avLst/>
-          </a:prstGeom>
-          <a:noFill/>
-          <a:ln/>
-        </p:spPr>
-        <p:txBody>
-          <a:bodyPr wrap="square" rtlCol="0" anchor="ctr"/>
-          <a:lstStyle/>
-          <a:p>
-            <a:pPr indent="0" marL="0">
-              <a:buNone/>
-            </a:pPr>
-            <a:r>
-              <a:rPr lang="en-US" sz="1600" b="1" dirty="0">
-                <a:solidFill>
-                  <a:srgbClr val="3B82F6"/>
-                </a:solidFill>
-                <a:latin typeface="Arial" pitchFamily="34" charset="0"/>
-                <a:ea typeface="Arial" pitchFamily="34" charset="-122"/>
-                <a:cs typeface="Arial" pitchFamily="34" charset="-120"/>
-              </a:rPr>
-              <a:t>▸</a:t>
-            </a:r>
-            <a:endParaRPr lang="en-US" sz="1600" dirty="0"/>
-          </a:p>
-        </p:txBody>
-      </p:sp>
-      <p:sp>
-        <p:nvSpPr>
-          <p:cNvPr id="14" name="Text 12"/>
-          <p:cNvSpPr/>
-          <p:nvPr/>
-        </p:nvSpPr>
-        <p:spPr>
-          <a:xfrm>
-            <a:off x="960120" y="2240280"/>
-            <a:ext cx="7498080" cy="411480"/>
-          </a:xfrm>
-          <a:prstGeom prst="rect">
-            <a:avLst/>
-          </a:prstGeom>
-          <a:noFill/>
-          <a:ln/>
-        </p:spPr>
-        <p:txBody>
-          <a:bodyPr wrap="square" rtlCol="0" anchor="ctr"/>
-          <a:lstStyle/>
-          <a:p>
-            <a:pPr indent="0" marL="0">
-              <a:buNone/>
-            </a:pPr>
-            <a:r>
-              <a:rPr lang="en-US" sz="1400" dirty="0">
-                <a:solidFill>
-                  <a:srgbClr val="FFFFFF"/>
-                </a:solidFill>
-                <a:latin typeface="Arial" pitchFamily="34" charset="0"/>
-                <a:ea typeface="Arial" pitchFamily="34" charset="-122"/>
-                <a:cs typeface="Arial" pitchFamily="34" charset="-120"/>
-              </a:rPr>
-              <a:t>Imersão: dedique tempo significativo</a:t>
-            </a:r>
-            <a:endParaRPr lang="en-US" sz="1400" dirty="0"/>
-          </a:p>
-        </p:txBody>
-      </p:sp>
-      <p:sp>
-        <p:nvSpPr>
-          <p:cNvPr id="15" name="Shape 13"/>
-          <p:cNvSpPr/>
-          <p:nvPr/>
-        </p:nvSpPr>
-        <p:spPr>
-          <a:xfrm>
-            <a:off x="457200" y="2926080"/>
-            <a:ext cx="8229600" cy="777240"/>
-          </a:xfrm>
-          <a:prstGeom prst="roundRect">
-            <a:avLst/>
-          </a:prstGeom>
-          <a:solidFill>
-            <a:srgbClr val="2A2A4A"/>
-          </a:solidFill>
-          <a:ln w="19050">
-            <a:solidFill>
-              <a:srgbClr val="3B82F6"/>
-            </a:solidFill>
-            <a:prstDash val="solid"/>
-          </a:ln>
-        </p:spPr>
-      </p:sp>
-      <p:sp>
-        <p:nvSpPr>
-          <p:cNvPr id="16" name="Shape 14"/>
-          <p:cNvSpPr/>
-          <p:nvPr/>
-        </p:nvSpPr>
-        <p:spPr>
-          <a:xfrm>
-            <a:off x="457200" y="2926080"/>
-            <a:ext cx="109728" cy="777240"/>
-          </a:xfrm>
-          <a:prstGeom prst="rect">
-            <a:avLst/>
-          </a:prstGeom>
-          <a:solidFill>
-            <a:srgbClr val="3B82F6"/>
-          </a:solidFill>
-          <a:ln/>
-        </p:spPr>
-      </p:sp>
-      <p:sp>
-        <p:nvSpPr>
-          <p:cNvPr id="17" name="Text 15"/>
-          <p:cNvSpPr/>
-          <p:nvPr/>
-        </p:nvSpPr>
-        <p:spPr>
-          <a:xfrm>
-            <a:off x="685800" y="3154680"/>
-            <a:ext cx="274320" cy="320040"/>
-          </a:xfrm>
-          <a:prstGeom prst="rect">
-            <a:avLst/>
-          </a:prstGeom>
-          <a:noFill/>
-          <a:ln/>
-        </p:spPr>
-        <p:txBody>
-          <a:bodyPr wrap="square" rtlCol="0" anchor="ctr"/>
-          <a:lstStyle/>
-          <a:p>
-            <a:pPr indent="0" marL="0">
-              <a:buNone/>
-            </a:pPr>
-            <a:r>
-              <a:rPr lang="en-US" sz="1600" b="1" dirty="0">
-                <a:solidFill>
-                  <a:srgbClr val="3B82F6"/>
-                </a:solidFill>
-                <a:latin typeface="Arial" pitchFamily="34" charset="0"/>
-                <a:ea typeface="Arial" pitchFamily="34" charset="-122"/>
-                <a:cs typeface="Arial" pitchFamily="34" charset="-120"/>
-              </a:rPr>
-              <a:t>▸</a:t>
-            </a:r>
-            <a:endParaRPr lang="en-US" sz="1600" dirty="0"/>
-          </a:p>
-        </p:txBody>
-      </p:sp>
-      <p:sp>
-        <p:nvSpPr>
-          <p:cNvPr id="18" name="Text 16"/>
-          <p:cNvSpPr/>
-          <p:nvPr/>
-        </p:nvSpPr>
-        <p:spPr>
-          <a:xfrm>
-            <a:off x="960120" y="3154680"/>
-            <a:ext cx="7498080" cy="411480"/>
-          </a:xfrm>
-          <a:prstGeom prst="rect">
-            <a:avLst/>
-          </a:prstGeom>
-          <a:noFill/>
-          <a:ln/>
-        </p:spPr>
-        <p:txBody>
-          <a:bodyPr wrap="square" rtlCol="0" anchor="ctr"/>
-          <a:lstStyle/>
-          <a:p>
-            <a:pPr indent="0" marL="0">
-              <a:buNone/>
-            </a:pPr>
-            <a:r>
-              <a:rPr lang="en-US" sz="1400" dirty="0">
-                <a:solidFill>
-                  <a:srgbClr val="FFFFFF"/>
-                </a:solidFill>
-                <a:latin typeface="Arial" pitchFamily="34" charset="0"/>
-                <a:ea typeface="Arial" pitchFamily="34" charset="-122"/>
-                <a:cs typeface="Arial" pitchFamily="34" charset="-120"/>
-              </a:rPr>
-              <a:t>Abraçar o desconforto produtivo</a:t>
-            </a:r>
-            <a:endParaRPr lang="en-US" sz="1400" dirty="0"/>
-          </a:p>
-        </p:txBody>
-      </p:sp>
-      <p:sp>
-        <p:nvSpPr>
-          <p:cNvPr id="19" name="Shape 17"/>
-          <p:cNvSpPr/>
-          <p:nvPr/>
-        </p:nvSpPr>
-        <p:spPr>
-          <a:xfrm>
-            <a:off x="8686800" y="4114800"/>
-            <a:ext cx="457200" cy="457200"/>
-          </a:xfrm>
-          <a:prstGeom prst="rect">
-            <a:avLst/>
-          </a:prstGeom>
-          <a:solidFill>
-            <a:srgbClr val="3B82F6"/>
-          </a:solidFill>
-          <a:ln w="12700">
-            <a:solidFill>
-              <a:srgbClr val="000000"/>
-            </a:solidFill>
-            <a:prstDash val="solid"/>
-          </a:ln>
-        </p:spPr>
-      </p:sp>
-      <p:sp>
-        <p:nvSpPr>
-          <p:cNvPr id="20" name="Shape 18"/>
-          <p:cNvSpPr/>
-          <p:nvPr/>
-        </p:nvSpPr>
-        <p:spPr>
-          <a:xfrm>
-            <a:off x="8503920" y="4297680"/>
-            <a:ext cx="274320" cy="274320"/>
-          </a:xfrm>
-          <a:prstGeom prst="rect">
-            <a:avLst/>
-          </a:prstGeom>
-          <a:solidFill>
-            <a:srgbClr val="2A2A4A"/>
-          </a:solidFill>
-          <a:ln w="12700">
-            <a:solidFill>
-              <a:srgbClr val="3B82F6"/>
-            </a:solidFill>
-            <a:prstDash val="solid"/>
-          </a:ln>
+          <p:cNvPr id="4" name="Shape 2"/>
+          <p:cNvSpPr/>
+          <p:nvPr/>
+        </p:nvSpPr>
+        <p:spPr>
+          <a:xfrm>
+            <a:off x="0" y="777240"/>
+            <a:ext cx="9144000" cy="45720"/>
+          </a:xfrm>
+          <a:prstGeom prst="rect">
+            <a:avLst/>
+          </a:prstGeom>
+          <a:solidFill>
+            <a:srgbClr val="22C55E"/>
+          </a:solidFill>
+          <a:ln/>
+        </p:spPr>
+      </p:sp>
+      <p:sp>
+        <p:nvSpPr>
+          <p:cNvPr id="5" name="Shape 3"/>
+          <p:cNvSpPr/>
+          <p:nvPr/>
+        </p:nvSpPr>
+        <p:spPr>
+          <a:xfrm>
+            <a:off x="685800" y="1097280"/>
+            <a:ext cx="54864" cy="3200400"/>
+          </a:xfrm>
+          <a:prstGeom prst="rect">
+            <a:avLst/>
+          </a:prstGeom>
+          <a:solidFill>
+            <a:srgbClr val="3D3D5C"/>
+          </a:solidFill>
+          <a:ln/>
         </p:spPr>
       </p:sp>
       <p:pic>
         <p:nvPicPr>
-          <p:cNvPr id="21" name="Image 0" descr="preencoded.png">    </p:cNvPr>
+          <p:cNvPr id="7" name="Image 0" descr="preencoded.png">    </p:cNvPr>
           <p:cNvPicPr>
             <a:picLocks noChangeAspect="1"/>
           </p:cNvPicPr>
@@ -4805,93 +3590,14 @@
       </p:sp>
       <p:sp>
         <p:nvSpPr>
-          <p:cNvPr id="3" name="Shape 1"/>
-          <p:cNvSpPr/>
-          <p:nvPr/>
-        </p:nvSpPr>
-        <p:spPr>
-          <a:xfrm>
-            <a:off x="0" y="777240"/>
-            <a:ext cx="9144000" cy="45720"/>
-          </a:xfrm>
-          <a:prstGeom prst="rect">
-            <a:avLst/>
-          </a:prstGeom>
-          <a:solidFill>
-            <a:srgbClr val="9333EA"/>
-          </a:solidFill>
-          <a:ln/>
-        </p:spPr>
-      </p:sp>
-      <p:sp>
-        <p:nvSpPr>
-          <p:cNvPr id="4" name="Shape 2"/>
-          <p:cNvSpPr/>
-          <p:nvPr/>
-        </p:nvSpPr>
-        <p:spPr>
-          <a:xfrm>
-            <a:off x="274320" y="137160"/>
-            <a:ext cx="548640" cy="548640"/>
-          </a:xfrm>
-          <a:prstGeom prst="ellipse">
-            <a:avLst/>
-          </a:prstGeom>
-          <a:solidFill>
-            <a:srgbClr val="9333EA"/>
-          </a:solidFill>
-          <a:ln/>
-        </p:spPr>
-      </p:sp>
-      <p:sp>
-        <p:nvSpPr>
-          <p:cNvPr id="5" name="Text 3"/>
-          <p:cNvSpPr/>
-          <p:nvPr/>
-        </p:nvSpPr>
-        <p:spPr>
-          <a:xfrm>
-            <a:off x="274320" y="228600"/>
-            <a:ext cx="548640" cy="365760"/>
-          </a:xfrm>
-          <a:prstGeom prst="rect">
-            <a:avLst/>
-          </a:prstGeom>
-          <a:noFill/>
-          <a:ln/>
-        </p:spPr>
-        <p:txBody>
-          <a:bodyPr wrap="square" rtlCol="0" anchor="ctr"/>
-          <a:lstStyle/>
-          <a:p>
-            <a:pPr algn="ctr" indent="0" marL="0">
-              <a:buNone/>
-            </a:pPr>
-            <a:r>
-              <a:rPr lang="en-US" sz="1600" b="1" dirty="0">
-                <a:solidFill>
-                  <a:srgbClr val="FFFFFF"/>
-                </a:solidFill>
-                <a:latin typeface="Arial" pitchFamily="34" charset="0"/>
-                <a:ea typeface="Arial" pitchFamily="34" charset="-122"/>
-                <a:cs typeface="Arial" pitchFamily="34" charset="-120"/>
-              </a:rPr>
-              <a:t>4</a:t>
-            </a:r>
-            <a:endParaRPr lang="en-US" sz="1600" dirty="0"/>
-          </a:p>
-        </p:txBody>
-      </p:sp>
-      <p:sp>
-        <p:nvSpPr>
-          <p:cNvPr id="6" name="Text 4"/>
-          <p:cNvSpPr/>
-          <p:nvPr/>
-        </p:nvSpPr>
-        <p:spPr>
-          <a:xfrm>
-            <a:off x="1005840" y="228600"/>
-            <a:ext cx="7772400" cy="457200"/>
+          <p:cNvPr id="3" name="Text 1"/>
+          <p:cNvSpPr/>
+          <p:nvPr/>
+        </p:nvSpPr>
+        <p:spPr>
+          <a:xfrm>
+            <a:off x="457200" y="228600"/>
+            <a:ext cx="8229600" cy="457200"/>
           </a:xfrm>
           <a:prstGeom prst="rect">
             <a:avLst/>
@@ -4915,67 +3621,46 @@
                 <a:ea typeface="Arial" pitchFamily="34" charset="-122"/>
                 <a:cs typeface="Arial" pitchFamily="34" charset="-120"/>
               </a:rPr>
-              <a:t>Quando Usar</a:t>
+              <a:t>📊 Infográfico da Aula</a:t>
             </a:r>
             <a:endParaRPr lang="en-US" sz="2000" dirty="0"/>
           </a:p>
         </p:txBody>
       </p:sp>
-      <p:sp>
-        <p:nvSpPr>
-          <p:cNvPr id="7" name="Shape 5"/>
-          <p:cNvSpPr/>
-          <p:nvPr/>
-        </p:nvSpPr>
-        <p:spPr>
-          <a:xfrm>
-            <a:off x="457200" y="1097280"/>
-            <a:ext cx="8229600" cy="777240"/>
-          </a:xfrm>
-          <a:prstGeom prst="roundRect">
-            <a:avLst/>
-          </a:prstGeom>
-          <a:solidFill>
-            <a:srgbClr val="2A2A4A"/>
-          </a:solidFill>
-          <a:ln w="19050">
-            <a:solidFill>
-              <a:srgbClr val="9333EA"/>
-            </a:solidFill>
-            <a:prstDash val="solid"/>
-          </a:ln>
-        </p:spPr>
-      </p:sp>
-      <p:sp>
-        <p:nvSpPr>
-          <p:cNvPr id="8" name="Shape 6"/>
-          <p:cNvSpPr/>
-          <p:nvPr/>
-        </p:nvSpPr>
-        <p:spPr>
-          <a:xfrm>
-            <a:off x="457200" y="1097280"/>
-            <a:ext cx="109728" cy="777240"/>
-          </a:xfrm>
-          <a:prstGeom prst="rect">
-            <a:avLst/>
-          </a:prstGeom>
-          <a:solidFill>
-            <a:srgbClr val="9333EA"/>
-          </a:solidFill>
-          <a:ln/>
-        </p:spPr>
-      </p:sp>
-      <p:sp>
-        <p:nvSpPr>
-          <p:cNvPr id="9" name="Text 7"/>
-          <p:cNvSpPr/>
-          <p:nvPr/>
-        </p:nvSpPr>
-        <p:spPr>
-          <a:xfrm>
-            <a:off x="685800" y="1325880"/>
-            <a:ext cx="274320" cy="320040"/>
+      <p:pic>
+        <p:nvPicPr>
+          <p:cNvPr id="4" name="Image 0" descr="preencoded.png">    </p:cNvPr>
+          <p:cNvPicPr>
+            <a:picLocks noChangeAspect="1"/>
+          </p:cNvPicPr>
+          <p:nvPr/>
+        </p:nvPicPr>
+        <p:blipFill>
+          <a:blip r:embed="rId1"/>
+          <a:stretch>
+            <a:fillRect/>
+          </a:stretch>
+        </p:blipFill>
+        <p:spPr>
+          <a:xfrm>
+            <a:off x="274320" y="914400"/>
+            <a:ext cx="5486400" cy="3383280"/>
+          </a:xfrm>
+          <a:prstGeom prst="rect">
+            <a:avLst/>
+          </a:prstGeom>
+        </p:spPr>
+      </p:pic>
+      <p:sp>
+        <p:nvSpPr>
+          <p:cNvPr id="5" name="Text 2"/>
+          <p:cNvSpPr/>
+          <p:nvPr/>
+        </p:nvSpPr>
+        <p:spPr>
+          <a:xfrm>
+            <a:off x="5943600" y="914400"/>
+            <a:ext cx="3017520" cy="365760"/>
           </a:xfrm>
           <a:prstGeom prst="rect">
             <a:avLst/>
@@ -4991,365 +3676,30 @@
               <a:buNone/>
             </a:pPr>
             <a:r>
-              <a:rPr lang="en-US" sz="1600" b="1" dirty="0">
+              <a:rPr lang="en-US" sz="1200" b="1" dirty="0">
                 <a:solidFill>
-                  <a:srgbClr val="9333EA"/>
+                  <a:srgbClr val="22C55E"/>
                 </a:solidFill>
                 <a:latin typeface="Arial" pitchFamily="34" charset="0"/>
                 <a:ea typeface="Arial" pitchFamily="34" charset="-122"/>
                 <a:cs typeface="Arial" pitchFamily="34" charset="-120"/>
               </a:rPr>
-              <a:t>▸</a:t>
-            </a:r>
-            <a:endParaRPr lang="en-US" sz="1600" dirty="0"/>
-          </a:p>
-        </p:txBody>
-      </p:sp>
-      <p:sp>
-        <p:nvSpPr>
-          <p:cNvPr id="10" name="Text 8"/>
-          <p:cNvSpPr/>
-          <p:nvPr/>
-        </p:nvSpPr>
-        <p:spPr>
-          <a:xfrm>
-            <a:off x="960120" y="1325880"/>
-            <a:ext cx="7498080" cy="411480"/>
-          </a:xfrm>
-          <a:prstGeom prst="rect">
-            <a:avLst/>
-          </a:prstGeom>
-          <a:noFill/>
-          <a:ln/>
-        </p:spPr>
-        <p:txBody>
-          <a:bodyPr wrap="square" rtlCol="0" anchor="ctr"/>
-          <a:lstStyle/>
-          <a:p>
-            <a:pPr indent="0" marL="0">
-              <a:buNone/>
-            </a:pPr>
-            <a:r>
-              <a:rPr lang="en-US" sz="1400" dirty="0">
-                <a:solidFill>
-                  <a:srgbClr val="FFFFFF"/>
-                </a:solidFill>
-                <a:latin typeface="Arial" pitchFamily="34" charset="0"/>
-                <a:ea typeface="Arial" pitchFamily="34" charset="-122"/>
-                <a:cs typeface="Arial" pitchFamily="34" charset="-120"/>
-              </a:rPr>
-              <a:t>Projetos de tempo limitado</a:t>
-            </a:r>
-            <a:endParaRPr lang="en-US" sz="1400" dirty="0"/>
-          </a:p>
-        </p:txBody>
-      </p:sp>
-      <p:sp>
-        <p:nvSpPr>
-          <p:cNvPr id="11" name="Shape 9"/>
-          <p:cNvSpPr/>
-          <p:nvPr/>
-        </p:nvSpPr>
-        <p:spPr>
-          <a:xfrm>
-            <a:off x="457200" y="2011680"/>
-            <a:ext cx="8229600" cy="777240"/>
-          </a:xfrm>
-          <a:prstGeom prst="roundRect">
-            <a:avLst/>
-          </a:prstGeom>
-          <a:solidFill>
-            <a:srgbClr val="2A2A4A"/>
-          </a:solidFill>
-          <a:ln w="19050">
-            <a:solidFill>
-              <a:srgbClr val="9333EA"/>
-            </a:solidFill>
-            <a:prstDash val="solid"/>
-          </a:ln>
-        </p:spPr>
-      </p:sp>
-      <p:sp>
-        <p:nvSpPr>
-          <p:cNvPr id="12" name="Shape 10"/>
-          <p:cNvSpPr/>
-          <p:nvPr/>
-        </p:nvSpPr>
-        <p:spPr>
-          <a:xfrm>
-            <a:off x="457200" y="2011680"/>
-            <a:ext cx="109728" cy="777240"/>
-          </a:xfrm>
-          <a:prstGeom prst="rect">
-            <a:avLst/>
-          </a:prstGeom>
-          <a:solidFill>
-            <a:srgbClr val="9333EA"/>
-          </a:solidFill>
-          <a:ln/>
-        </p:spPr>
-      </p:sp>
-      <p:sp>
-        <p:nvSpPr>
-          <p:cNvPr id="13" name="Text 11"/>
-          <p:cNvSpPr/>
-          <p:nvPr/>
-        </p:nvSpPr>
-        <p:spPr>
-          <a:xfrm>
-            <a:off x="685800" y="2240280"/>
-            <a:ext cx="274320" cy="320040"/>
-          </a:xfrm>
-          <a:prstGeom prst="rect">
-            <a:avLst/>
-          </a:prstGeom>
-          <a:noFill/>
-          <a:ln/>
-        </p:spPr>
-        <p:txBody>
-          <a:bodyPr wrap="square" rtlCol="0" anchor="ctr"/>
-          <a:lstStyle/>
-          <a:p>
-            <a:pPr indent="0" marL="0">
-              <a:buNone/>
-            </a:pPr>
-            <a:r>
-              <a:rPr lang="en-US" sz="1600" b="1" dirty="0">
-                <a:solidFill>
-                  <a:srgbClr val="9333EA"/>
-                </a:solidFill>
-                <a:latin typeface="Arial" pitchFamily="34" charset="0"/>
-                <a:ea typeface="Arial" pitchFamily="34" charset="-122"/>
-                <a:cs typeface="Arial" pitchFamily="34" charset="-120"/>
-              </a:rPr>
-              <a:t>▸</a:t>
-            </a:r>
-            <a:endParaRPr lang="en-US" sz="1600" dirty="0"/>
-          </a:p>
-        </p:txBody>
-      </p:sp>
-      <p:sp>
-        <p:nvSpPr>
-          <p:cNvPr id="14" name="Text 12"/>
-          <p:cNvSpPr/>
-          <p:nvPr/>
-        </p:nvSpPr>
-        <p:spPr>
-          <a:xfrm>
-            <a:off x="960120" y="2240280"/>
-            <a:ext cx="7498080" cy="411480"/>
-          </a:xfrm>
-          <a:prstGeom prst="rect">
-            <a:avLst/>
-          </a:prstGeom>
-          <a:noFill/>
-          <a:ln/>
-        </p:spPr>
-        <p:txBody>
-          <a:bodyPr wrap="square" rtlCol="0" anchor="ctr"/>
-          <a:lstStyle/>
-          <a:p>
-            <a:pPr indent="0" marL="0">
-              <a:buNone/>
-            </a:pPr>
-            <a:r>
-              <a:rPr lang="en-US" sz="1400" dirty="0">
-                <a:solidFill>
-                  <a:srgbClr val="FFFFFF"/>
-                </a:solidFill>
-                <a:latin typeface="Arial" pitchFamily="34" charset="0"/>
-                <a:ea typeface="Arial" pitchFamily="34" charset="-122"/>
-                <a:cs typeface="Arial" pitchFamily="34" charset="-120"/>
-              </a:rPr>
-              <a:t>Preparação intensa para provas</a:t>
-            </a:r>
-            <a:endParaRPr lang="en-US" sz="1400" dirty="0"/>
-          </a:p>
-        </p:txBody>
-      </p:sp>
-      <p:sp>
-        <p:nvSpPr>
-          <p:cNvPr id="15" name="Shape 13"/>
-          <p:cNvSpPr/>
-          <p:nvPr/>
-        </p:nvSpPr>
-        <p:spPr>
-          <a:xfrm>
-            <a:off x="457200" y="2926080"/>
-            <a:ext cx="8229600" cy="777240"/>
-          </a:xfrm>
-          <a:prstGeom prst="roundRect">
-            <a:avLst/>
-          </a:prstGeom>
-          <a:solidFill>
-            <a:srgbClr val="2A2A4A"/>
-          </a:solidFill>
-          <a:ln w="19050">
-            <a:solidFill>
-              <a:srgbClr val="9333EA"/>
-            </a:solidFill>
-            <a:prstDash val="solid"/>
-          </a:ln>
-        </p:spPr>
-      </p:sp>
-      <p:sp>
-        <p:nvSpPr>
-          <p:cNvPr id="16" name="Shape 14"/>
-          <p:cNvSpPr/>
-          <p:nvPr/>
-        </p:nvSpPr>
-        <p:spPr>
-          <a:xfrm>
-            <a:off x="457200" y="2926080"/>
-            <a:ext cx="109728" cy="777240"/>
-          </a:xfrm>
-          <a:prstGeom prst="rect">
-            <a:avLst/>
-          </a:prstGeom>
-          <a:solidFill>
-            <a:srgbClr val="9333EA"/>
-          </a:solidFill>
-          <a:ln/>
-        </p:spPr>
-      </p:sp>
-      <p:sp>
-        <p:nvSpPr>
-          <p:cNvPr id="17" name="Text 15"/>
-          <p:cNvSpPr/>
-          <p:nvPr/>
-        </p:nvSpPr>
-        <p:spPr>
-          <a:xfrm>
-            <a:off x="685800" y="3154680"/>
-            <a:ext cx="274320" cy="320040"/>
-          </a:xfrm>
-          <a:prstGeom prst="rect">
-            <a:avLst/>
-          </a:prstGeom>
-          <a:noFill/>
-          <a:ln/>
-        </p:spPr>
-        <p:txBody>
-          <a:bodyPr wrap="square" rtlCol="0" anchor="ctr"/>
-          <a:lstStyle/>
-          <a:p>
-            <a:pPr indent="0" marL="0">
-              <a:buNone/>
-            </a:pPr>
-            <a:r>
-              <a:rPr lang="en-US" sz="1600" b="1" dirty="0">
-                <a:solidFill>
-                  <a:srgbClr val="9333EA"/>
-                </a:solidFill>
-                <a:latin typeface="Arial" pitchFamily="34" charset="0"/>
-                <a:ea typeface="Arial" pitchFamily="34" charset="-122"/>
-                <a:cs typeface="Arial" pitchFamily="34" charset="-120"/>
-              </a:rPr>
-              <a:t>▸</a:t>
-            </a:r>
-            <a:endParaRPr lang="en-US" sz="1600" dirty="0"/>
-          </a:p>
-        </p:txBody>
-      </p:sp>
-      <p:sp>
-        <p:nvSpPr>
-          <p:cNvPr id="18" name="Text 16"/>
-          <p:cNvSpPr/>
-          <p:nvPr/>
-        </p:nvSpPr>
-        <p:spPr>
-          <a:xfrm>
-            <a:off x="960120" y="3154680"/>
-            <a:ext cx="7498080" cy="411480"/>
-          </a:xfrm>
-          <a:prstGeom prst="rect">
-            <a:avLst/>
-          </a:prstGeom>
-          <a:noFill/>
-          <a:ln/>
-        </p:spPr>
-        <p:txBody>
-          <a:bodyPr wrap="square" rtlCol="0" anchor="ctr"/>
-          <a:lstStyle/>
-          <a:p>
-            <a:pPr indent="0" marL="0">
-              <a:buNone/>
-            </a:pPr>
-            <a:r>
-              <a:rPr lang="en-US" sz="1400" dirty="0">
-                <a:solidFill>
-                  <a:srgbClr val="FFFFFF"/>
-                </a:solidFill>
-                <a:latin typeface="Arial" pitchFamily="34" charset="0"/>
-                <a:ea typeface="Arial" pitchFamily="34" charset="-122"/>
-                <a:cs typeface="Arial" pitchFamily="34" charset="-120"/>
-              </a:rPr>
-              <a:t>NÃO é para uso diário - é intenso</a:t>
-            </a:r>
-            <a:endParaRPr lang="en-US" sz="1400" dirty="0"/>
-          </a:p>
-        </p:txBody>
-      </p:sp>
-      <p:sp>
-        <p:nvSpPr>
-          <p:cNvPr id="19" name="Shape 17"/>
-          <p:cNvSpPr/>
-          <p:nvPr/>
-        </p:nvSpPr>
-        <p:spPr>
-          <a:xfrm>
-            <a:off x="8686800" y="4114800"/>
-            <a:ext cx="457200" cy="457200"/>
-          </a:xfrm>
-          <a:prstGeom prst="rect">
-            <a:avLst/>
-          </a:prstGeom>
-          <a:solidFill>
-            <a:srgbClr val="9333EA"/>
-          </a:solidFill>
-          <a:ln w="12700">
-            <a:solidFill>
-              <a:srgbClr val="000000"/>
-            </a:solidFill>
-            <a:prstDash val="solid"/>
-          </a:ln>
-        </p:spPr>
-      </p:sp>
-      <p:sp>
-        <p:nvSpPr>
-          <p:cNvPr id="20" name="Shape 18"/>
-          <p:cNvSpPr/>
-          <p:nvPr/>
-        </p:nvSpPr>
-        <p:spPr>
-          <a:xfrm>
-            <a:off x="8503920" y="4297680"/>
-            <a:ext cx="274320" cy="274320"/>
-          </a:xfrm>
-          <a:prstGeom prst="rect">
-            <a:avLst/>
-          </a:prstGeom>
-          <a:solidFill>
-            <a:srgbClr val="2A2A4A"/>
-          </a:solidFill>
-          <a:ln w="12700">
-            <a:solidFill>
-              <a:srgbClr val="9333EA"/>
-            </a:solidFill>
-            <a:prstDash val="solid"/>
-          </a:ln>
-        </p:spPr>
+              <a:t>Conceitos Principais:</a:t>
+            </a:r>
+            <a:endParaRPr lang="en-US" sz="1200" dirty="0"/>
+          </a:p>
+        </p:txBody>
       </p:sp>
       <p:pic>
         <p:nvPicPr>
-          <p:cNvPr id="21" name="Image 0" descr="preencoded.png">    </p:cNvPr>
+          <p:cNvPr id="7" name="Image 1" descr="preencoded.png">    </p:cNvPr>
           <p:cNvPicPr>
             <a:picLocks noChangeAspect="1"/>
           </p:cNvPicPr>
           <p:nvPr/>
         </p:nvPicPr>
         <p:blipFill>
-          <a:blip r:embed="rId1"/>
+          <a:blip r:embed="rId2"/>
           <a:stretch>
             <a:fillRect/>
           </a:stretch>
@@ -5449,7 +3799,7 @@
                 <a:ea typeface="Arial" pitchFamily="34" charset="-122"/>
                 <a:cs typeface="Arial" pitchFamily="34" charset="-120"/>
               </a:rPr>
-              <a:t>✅ Pontos-Chave</a:t>
+              <a:t>📝 Atividade Prática</a:t>
             </a:r>
             <a:endParaRPr lang="en-US" sz="2000" dirty="0"/>
           </a:p>
@@ -5463,10 +3813,35 @@
         </p:nvSpPr>
         <p:spPr>
           <a:xfrm>
-            <a:off x="0" y="777240"/>
-            <a:ext cx="9144000" cy="45720"/>
-          </a:xfrm>
-          <a:prstGeom prst="rect">
+            <a:off x="457200" y="1005840"/>
+            <a:ext cx="8229600" cy="2560320"/>
+          </a:xfrm>
+          <a:prstGeom prst="roundRect">
+            <a:avLst/>
+          </a:prstGeom>
+          <a:solidFill>
+            <a:srgbClr val="2A2A4A"/>
+          </a:solidFill>
+          <a:ln w="38100">
+            <a:solidFill>
+              <a:srgbClr val="22C55E"/>
+            </a:solidFill>
+            <a:prstDash val="solid"/>
+          </a:ln>
+        </p:spPr>
+      </p:sp>
+      <p:sp>
+        <p:nvSpPr>
+          <p:cNvPr id="5" name="Shape 3"/>
+          <p:cNvSpPr/>
+          <p:nvPr/>
+        </p:nvSpPr>
+        <p:spPr>
+          <a:xfrm>
+            <a:off x="731520" y="1280160"/>
+            <a:ext cx="731520" cy="731520"/>
+          </a:xfrm>
+          <a:prstGeom prst="ellipse">
             <a:avLst/>
           </a:prstGeom>
           <a:solidFill>
@@ -5477,54 +3852,14 @@
       </p:sp>
       <p:sp>
         <p:nvSpPr>
-          <p:cNvPr id="5" name="Shape 3"/>
-          <p:cNvSpPr/>
-          <p:nvPr/>
-        </p:nvSpPr>
-        <p:spPr>
-          <a:xfrm>
-            <a:off x="685800" y="1097280"/>
-            <a:ext cx="54864" cy="3200400"/>
-          </a:xfrm>
-          <a:prstGeom prst="rect">
-            <a:avLst/>
-          </a:prstGeom>
-          <a:solidFill>
-            <a:srgbClr val="3D3D5C"/>
-          </a:solidFill>
-          <a:ln/>
-        </p:spPr>
-      </p:sp>
-      <p:sp>
-        <p:nvSpPr>
-          <p:cNvPr id="6" name="Shape 4"/>
-          <p:cNvSpPr/>
-          <p:nvPr/>
-        </p:nvSpPr>
-        <p:spPr>
-          <a:xfrm>
-            <a:off x="502920" y="1188720"/>
-            <a:ext cx="457200" cy="457200"/>
-          </a:xfrm>
-          <a:prstGeom prst="ellipse">
-            <a:avLst/>
-          </a:prstGeom>
-          <a:solidFill>
-            <a:srgbClr val="667EEA"/>
-          </a:solidFill>
-          <a:ln/>
-        </p:spPr>
-      </p:sp>
-      <p:sp>
-        <p:nvSpPr>
-          <p:cNvPr id="7" name="Text 5"/>
-          <p:cNvSpPr/>
-          <p:nvPr/>
-        </p:nvSpPr>
-        <p:spPr>
-          <a:xfrm>
-            <a:off x="502920" y="1234440"/>
-            <a:ext cx="457200" cy="365760"/>
+          <p:cNvPr id="6" name="Text 4"/>
+          <p:cNvSpPr/>
+          <p:nvPr/>
+        </p:nvSpPr>
+        <p:spPr>
+          <a:xfrm>
+            <a:off x="731520" y="1371600"/>
+            <a:ext cx="731520" cy="548640"/>
           </a:xfrm>
           <a:prstGeom prst="rect">
             <a:avLst/>
@@ -5540,7 +3875,7 @@
               <a:buNone/>
             </a:pPr>
             <a:r>
-              <a:rPr lang="en-US" sz="1600" b="1" dirty="0">
+              <a:rPr lang="en-US" sz="2800" b="1" dirty="0">
                 <a:solidFill>
                   <a:srgbClr val="FFFFFF"/>
                 </a:solidFill>
@@ -5548,7 +3883,46 @@
                 <a:ea typeface="Arial" pitchFamily="34" charset="-122"/>
                 <a:cs typeface="Arial" pitchFamily="34" charset="-120"/>
               </a:rPr>
-              <a:t>✓</a:t>
+              <a:t>!</a:t>
+            </a:r>
+            <a:endParaRPr lang="en-US" sz="2800" dirty="0"/>
+          </a:p>
+        </p:txBody>
+      </p:sp>
+      <p:sp>
+        <p:nvSpPr>
+          <p:cNvPr id="7" name="Text 5"/>
+          <p:cNvSpPr/>
+          <p:nvPr/>
+        </p:nvSpPr>
+        <p:spPr>
+          <a:xfrm>
+            <a:off x="1645920" y="1280160"/>
+            <a:ext cx="6858000" cy="457200"/>
+          </a:xfrm>
+          <a:prstGeom prst="rect">
+            <a:avLst/>
+          </a:prstGeom>
+          <a:noFill/>
+          <a:ln/>
+        </p:spPr>
+        <p:txBody>
+          <a:bodyPr wrap="square" rtlCol="0" anchor="ctr"/>
+          <a:lstStyle/>
+          <a:p>
+            <a:pPr indent="0" marL="0">
+              <a:buNone/>
+            </a:pPr>
+            <a:r>
+              <a:rPr lang="en-US" sz="1600" b="1" dirty="0">
+                <a:solidFill>
+                  <a:srgbClr val="22C55E"/>
+                </a:solidFill>
+                <a:latin typeface="Arial" pitchFamily="34" charset="0"/>
+                <a:ea typeface="Arial" pitchFamily="34" charset="-122"/>
+                <a:cs typeface="Arial" pitchFamily="34" charset="-120"/>
+              </a:rPr>
+              <a:t>Sua Missão:</a:t>
             </a:r>
             <a:endParaRPr lang="en-US" sz="1600" dirty="0"/>
           </a:p>
@@ -5556,39 +3930,14 @@
       </p:sp>
       <p:sp>
         <p:nvSpPr>
-          <p:cNvPr id="8" name="Shape 6"/>
-          <p:cNvSpPr/>
-          <p:nvPr/>
-        </p:nvSpPr>
-        <p:spPr>
-          <a:xfrm>
-            <a:off x="1188720" y="1097280"/>
-            <a:ext cx="7498080" cy="640080"/>
-          </a:xfrm>
-          <a:prstGeom prst="roundRect">
-            <a:avLst/>
-          </a:prstGeom>
-          <a:solidFill>
-            <a:srgbClr val="2A2A4A"/>
-          </a:solidFill>
-          <a:ln w="25400">
-            <a:solidFill>
-              <a:srgbClr val="667EEA"/>
-            </a:solidFill>
-            <a:prstDash val="solid"/>
-          </a:ln>
-        </p:spPr>
-      </p:sp>
-      <p:sp>
-        <p:nvSpPr>
-          <p:cNvPr id="9" name="Text 7"/>
-          <p:cNvSpPr/>
-          <p:nvPr/>
-        </p:nvSpPr>
-        <p:spPr>
-          <a:xfrm>
-            <a:off x="1371600" y="1234440"/>
-            <a:ext cx="7132320" cy="411480"/>
+          <p:cNvPr id="8" name="Text 6"/>
+          <p:cNvSpPr/>
+          <p:nvPr/>
+        </p:nvSpPr>
+        <p:spPr>
+          <a:xfrm>
+            <a:off x="1645920" y="1737360"/>
+            <a:ext cx="6766560" cy="1645920"/>
           </a:xfrm>
           <a:prstGeom prst="rect">
             <a:avLst/>
@@ -5597,7 +3946,7 @@
           <a:ln/>
         </p:spPr>
         <p:txBody>
-          <a:bodyPr wrap="square" rtlCol="0" anchor="ctr"/>
+          <a:bodyPr wrap="square" rtlCol="0" anchor="t"/>
           <a:lstStyle/>
           <a:p>
             <a:pPr indent="0" marL="0">
@@ -5612,116 +3961,10 @@
                 <a:ea typeface="Arial" pitchFamily="34" charset="-122"/>
                 <a:cs typeface="Arial" pitchFamily="34" charset="-120"/>
               </a:rPr>
-              <a:t>Ultra-aprendizado = aprender de forma acelerada</a:t>
+              <a:t>1. **Escolha um objetivo** de aprendizado específico</a:t>
             </a:r>
             <a:endParaRPr lang="en-US" sz="1400" dirty="0"/>
           </a:p>
-        </p:txBody>
-      </p:sp>
-      <p:sp>
-        <p:nvSpPr>
-          <p:cNvPr id="10" name="Shape 8"/>
-          <p:cNvSpPr/>
-          <p:nvPr/>
-        </p:nvSpPr>
-        <p:spPr>
-          <a:xfrm>
-            <a:off x="502920" y="2011680"/>
-            <a:ext cx="457200" cy="457200"/>
-          </a:xfrm>
-          <a:prstGeom prst="ellipse">
-            <a:avLst/>
-          </a:prstGeom>
-          <a:solidFill>
-            <a:srgbClr val="22C55E"/>
-          </a:solidFill>
-          <a:ln/>
-        </p:spPr>
-      </p:sp>
-      <p:sp>
-        <p:nvSpPr>
-          <p:cNvPr id="11" name="Text 9"/>
-          <p:cNvSpPr/>
-          <p:nvPr/>
-        </p:nvSpPr>
-        <p:spPr>
-          <a:xfrm>
-            <a:off x="502920" y="2057400"/>
-            <a:ext cx="457200" cy="365760"/>
-          </a:xfrm>
-          <a:prstGeom prst="rect">
-            <a:avLst/>
-          </a:prstGeom>
-          <a:noFill/>
-          <a:ln/>
-        </p:spPr>
-        <p:txBody>
-          <a:bodyPr wrap="square" rtlCol="0" anchor="ctr"/>
-          <a:lstStyle/>
-          <a:p>
-            <a:pPr algn="ctr" indent="0" marL="0">
-              <a:buNone/>
-            </a:pPr>
-            <a:r>
-              <a:rPr lang="en-US" sz="1600" b="1" dirty="0">
-                <a:solidFill>
-                  <a:srgbClr val="FFFFFF"/>
-                </a:solidFill>
-                <a:latin typeface="Arial" pitchFamily="34" charset="0"/>
-                <a:ea typeface="Arial" pitchFamily="34" charset="-122"/>
-                <a:cs typeface="Arial" pitchFamily="34" charset="-120"/>
-              </a:rPr>
-              <a:t>✓</a:t>
-            </a:r>
-            <a:endParaRPr lang="en-US" sz="1600" dirty="0"/>
-          </a:p>
-        </p:txBody>
-      </p:sp>
-      <p:sp>
-        <p:nvSpPr>
-          <p:cNvPr id="12" name="Shape 10"/>
-          <p:cNvSpPr/>
-          <p:nvPr/>
-        </p:nvSpPr>
-        <p:spPr>
-          <a:xfrm>
-            <a:off x="1188720" y="1920240"/>
-            <a:ext cx="7498080" cy="640080"/>
-          </a:xfrm>
-          <a:prstGeom prst="roundRect">
-            <a:avLst/>
-          </a:prstGeom>
-          <a:solidFill>
-            <a:srgbClr val="2A2A4A"/>
-          </a:solidFill>
-          <a:ln w="25400">
-            <a:solidFill>
-              <a:srgbClr val="22C55E"/>
-            </a:solidFill>
-            <a:prstDash val="solid"/>
-          </a:ln>
-        </p:spPr>
-      </p:sp>
-      <p:sp>
-        <p:nvSpPr>
-          <p:cNvPr id="13" name="Text 11"/>
-          <p:cNvSpPr/>
-          <p:nvPr/>
-        </p:nvSpPr>
-        <p:spPr>
-          <a:xfrm>
-            <a:off x="1371600" y="2057400"/>
-            <a:ext cx="7132320" cy="411480"/>
-          </a:xfrm>
-          <a:prstGeom prst="rect">
-            <a:avLst/>
-          </a:prstGeom>
-          <a:noFill/>
-          <a:ln/>
-        </p:spPr>
-        <p:txBody>
-          <a:bodyPr wrap="square" rtlCol="0" anchor="ctr"/>
-          <a:lstStyle/>
           <a:p>
             <a:pPr indent="0" marL="0">
               <a:buNone/>
@@ -5735,116 +3978,10 @@
                 <a:ea typeface="Arial" pitchFamily="34" charset="-122"/>
                 <a:cs typeface="Arial" pitchFamily="34" charset="-120"/>
               </a:rPr>
-              <a:t>9 princípios científicos validados</a:t>
+              <a:t>2. **Aplique os princípios:**</a:t>
             </a:r>
             <a:endParaRPr lang="en-US" sz="1400" dirty="0"/>
           </a:p>
-        </p:txBody>
-      </p:sp>
-      <p:sp>
-        <p:nvSpPr>
-          <p:cNvPr id="14" name="Shape 12"/>
-          <p:cNvSpPr/>
-          <p:nvPr/>
-        </p:nvSpPr>
-        <p:spPr>
-          <a:xfrm>
-            <a:off x="502920" y="2834640"/>
-            <a:ext cx="457200" cy="457200"/>
-          </a:xfrm>
-          <a:prstGeom prst="ellipse">
-            <a:avLst/>
-          </a:prstGeom>
-          <a:solidFill>
-            <a:srgbClr val="3B82F6"/>
-          </a:solidFill>
-          <a:ln/>
-        </p:spPr>
-      </p:sp>
-      <p:sp>
-        <p:nvSpPr>
-          <p:cNvPr id="15" name="Text 13"/>
-          <p:cNvSpPr/>
-          <p:nvPr/>
-        </p:nvSpPr>
-        <p:spPr>
-          <a:xfrm>
-            <a:off x="502920" y="2880360"/>
-            <a:ext cx="457200" cy="365760"/>
-          </a:xfrm>
-          <a:prstGeom prst="rect">
-            <a:avLst/>
-          </a:prstGeom>
-          <a:noFill/>
-          <a:ln/>
-        </p:spPr>
-        <p:txBody>
-          <a:bodyPr wrap="square" rtlCol="0" anchor="ctr"/>
-          <a:lstStyle/>
-          <a:p>
-            <a:pPr algn="ctr" indent="0" marL="0">
-              <a:buNone/>
-            </a:pPr>
-            <a:r>
-              <a:rPr lang="en-US" sz="1600" b="1" dirty="0">
-                <a:solidFill>
-                  <a:srgbClr val="FFFFFF"/>
-                </a:solidFill>
-                <a:latin typeface="Arial" pitchFamily="34" charset="0"/>
-                <a:ea typeface="Arial" pitchFamily="34" charset="-122"/>
-                <a:cs typeface="Arial" pitchFamily="34" charset="-120"/>
-              </a:rPr>
-              <a:t>✓</a:t>
-            </a:r>
-            <a:endParaRPr lang="en-US" sz="1600" dirty="0"/>
-          </a:p>
-        </p:txBody>
-      </p:sp>
-      <p:sp>
-        <p:nvSpPr>
-          <p:cNvPr id="16" name="Shape 14"/>
-          <p:cNvSpPr/>
-          <p:nvPr/>
-        </p:nvSpPr>
-        <p:spPr>
-          <a:xfrm>
-            <a:off x="1188720" y="2743200"/>
-            <a:ext cx="7498080" cy="640080"/>
-          </a:xfrm>
-          <a:prstGeom prst="roundRect">
-            <a:avLst/>
-          </a:prstGeom>
-          <a:solidFill>
-            <a:srgbClr val="2A2A4A"/>
-          </a:solidFill>
-          <a:ln w="25400">
-            <a:solidFill>
-              <a:srgbClr val="3B82F6"/>
-            </a:solidFill>
-            <a:prstDash val="solid"/>
-          </a:ln>
-        </p:spPr>
-      </p:sp>
-      <p:sp>
-        <p:nvSpPr>
-          <p:cNvPr id="17" name="Text 15"/>
-          <p:cNvSpPr/>
-          <p:nvPr/>
-        </p:nvSpPr>
-        <p:spPr>
-          <a:xfrm>
-            <a:off x="1371600" y="2880360"/>
-            <a:ext cx="7132320" cy="411480"/>
-          </a:xfrm>
-          <a:prstGeom prst="rect">
-            <a:avLst/>
-          </a:prstGeom>
-          <a:noFill/>
-          <a:ln/>
-        </p:spPr>
-        <p:txBody>
-          <a:bodyPr wrap="square" rtlCol="0" anchor="ctr"/>
-          <a:lstStyle/>
           <a:p>
             <a:pPr indent="0" marL="0">
               <a:buNone/>
@@ -5858,116 +3995,10 @@
                 <a:ea typeface="Arial" pitchFamily="34" charset="-122"/>
                 <a:cs typeface="Arial" pitchFamily="34" charset="-120"/>
               </a:rPr>
-              <a:t>Para projetos intensivos com prazo definido</a:t>
+              <a:t>   - Metalearning: Como outros aprenderam isso?</a:t>
             </a:r>
             <a:endParaRPr lang="en-US" sz="1400" dirty="0"/>
           </a:p>
-        </p:txBody>
-      </p:sp>
-      <p:sp>
-        <p:nvSpPr>
-          <p:cNvPr id="18" name="Shape 16"/>
-          <p:cNvSpPr/>
-          <p:nvPr/>
-        </p:nvSpPr>
-        <p:spPr>
-          <a:xfrm>
-            <a:off x="502920" y="3657600"/>
-            <a:ext cx="457200" cy="457200"/>
-          </a:xfrm>
-          <a:prstGeom prst="ellipse">
-            <a:avLst/>
-          </a:prstGeom>
-          <a:solidFill>
-            <a:srgbClr val="9333EA"/>
-          </a:solidFill>
-          <a:ln/>
-        </p:spPr>
-      </p:sp>
-      <p:sp>
-        <p:nvSpPr>
-          <p:cNvPr id="19" name="Text 17"/>
-          <p:cNvSpPr/>
-          <p:nvPr/>
-        </p:nvSpPr>
-        <p:spPr>
-          <a:xfrm>
-            <a:off x="502920" y="3703320"/>
-            <a:ext cx="457200" cy="365760"/>
-          </a:xfrm>
-          <a:prstGeom prst="rect">
-            <a:avLst/>
-          </a:prstGeom>
-          <a:noFill/>
-          <a:ln/>
-        </p:spPr>
-        <p:txBody>
-          <a:bodyPr wrap="square" rtlCol="0" anchor="ctr"/>
-          <a:lstStyle/>
-          <a:p>
-            <a:pPr algn="ctr" indent="0" marL="0">
-              <a:buNone/>
-            </a:pPr>
-            <a:r>
-              <a:rPr lang="en-US" sz="1600" b="1" dirty="0">
-                <a:solidFill>
-                  <a:srgbClr val="FFFFFF"/>
-                </a:solidFill>
-                <a:latin typeface="Arial" pitchFamily="34" charset="0"/>
-                <a:ea typeface="Arial" pitchFamily="34" charset="-122"/>
-                <a:cs typeface="Arial" pitchFamily="34" charset="-120"/>
-              </a:rPr>
-              <a:t>✓</a:t>
-            </a:r>
-            <a:endParaRPr lang="en-US" sz="1600" dirty="0"/>
-          </a:p>
-        </p:txBody>
-      </p:sp>
-      <p:sp>
-        <p:nvSpPr>
-          <p:cNvPr id="20" name="Shape 18"/>
-          <p:cNvSpPr/>
-          <p:nvPr/>
-        </p:nvSpPr>
-        <p:spPr>
-          <a:xfrm>
-            <a:off x="1188720" y="3566160"/>
-            <a:ext cx="7498080" cy="640080"/>
-          </a:xfrm>
-          <a:prstGeom prst="roundRect">
-            <a:avLst/>
-          </a:prstGeom>
-          <a:solidFill>
-            <a:srgbClr val="2A2A4A"/>
-          </a:solidFill>
-          <a:ln w="25400">
-            <a:solidFill>
-              <a:srgbClr val="9333EA"/>
-            </a:solidFill>
-            <a:prstDash val="solid"/>
-          </a:ln>
-        </p:spPr>
-      </p:sp>
-      <p:sp>
-        <p:nvSpPr>
-          <p:cNvPr id="21" name="Text 19"/>
-          <p:cNvSpPr/>
-          <p:nvPr/>
-        </p:nvSpPr>
-        <p:spPr>
-          <a:xfrm>
-            <a:off x="1371600" y="3703320"/>
-            <a:ext cx="7132320" cy="411480"/>
-          </a:xfrm>
-          <a:prstGeom prst="rect">
-            <a:avLst/>
-          </a:prstGeom>
-          <a:noFill/>
-          <a:ln/>
-        </p:spPr>
-        <p:txBody>
-          <a:bodyPr wrap="square" rtlCol="0" anchor="ctr"/>
-          <a:lstStyle/>
           <a:p>
             <a:pPr indent="0" marL="0">
               <a:buNone/>
@@ -5981,15 +4012,113 @@
                 <a:ea typeface="Arial" pitchFamily="34" charset="-122"/>
                 <a:cs typeface="Arial" pitchFamily="34" charset="-120"/>
               </a:rPr>
-              <a:t>Desconforto faz parte - abrace-o</a:t>
+              <a:t>   - Direcionamento: Qual a prática mais direta?</a:t>
             </a:r>
             <a:endParaRPr lang="en-US" sz="1400" dirty="0"/>
+          </a:p>
+          <a:p>
+            <a:pPr indent="0" marL="0">
+              <a:buNone/>
+            </a:pPr>
+            <a:r>
+              <a:rPr lang="en-US" sz="1400" dirty="0">
+                <a:solidFill>
+                  <a:srgbClr val="FFFFFF"/>
+                </a:solidFill>
+                <a:latin typeface="Arial" pitchFamily="34" charset="0"/>
+                <a:ea typeface="Arial" pitchFamily="34" charset="-122"/>
+                <a:cs typeface="Arial" pitchFamily="34" charset="-120"/>
+              </a:rPr>
+              <a:t>   - Drilling: Quais são meus pontos fracos potenciais?</a:t>
+            </a:r>
+            <a:endParaRPr lang="en-US" sz="1400" dirty="0"/>
+          </a:p>
+          <a:p>
+            <a:pPr indent="0" marL="0">
+              <a:buNone/>
+            </a:pPr>
+            <a:r>
+              <a:rPr lang="en-US" sz="1400" dirty="0">
+                <a:solidFill>
+                  <a:srgbClr val="FFFFFF"/>
+                </a:solidFill>
+                <a:latin typeface="Arial" pitchFamily="34" charset="0"/>
+                <a:ea typeface="Arial" pitchFamily="34" charset="-122"/>
+                <a:cs typeface="Arial" pitchFamily="34" charset="-120"/>
+              </a:rPr>
+              <a:t>   - Recuperação: Como vou testar a mim mesmo?</a:t>
+            </a:r>
+            <a:endParaRPr lang="en-US" sz="1400" dirty="0"/>
+          </a:p>
+        </p:txBody>
+      </p:sp>
+      <p:sp>
+        <p:nvSpPr>
+          <p:cNvPr id="9" name="Shape 7"/>
+          <p:cNvSpPr/>
+          <p:nvPr/>
+        </p:nvSpPr>
+        <p:spPr>
+          <a:xfrm>
+            <a:off x="457200" y="3749040"/>
+            <a:ext cx="8229600" cy="640080"/>
+          </a:xfrm>
+          <a:prstGeom prst="roundRect">
+            <a:avLst/>
+          </a:prstGeom>
+          <a:solidFill>
+            <a:srgbClr val="1E3A5F"/>
+          </a:solidFill>
+          <a:ln w="12700">
+            <a:solidFill>
+              <a:srgbClr val="667EEA"/>
+            </a:solidFill>
+            <a:prstDash val="solid"/>
+          </a:ln>
+        </p:spPr>
+      </p:sp>
+      <p:sp>
+        <p:nvSpPr>
+          <p:cNvPr id="10" name="Text 8"/>
+          <p:cNvSpPr/>
+          <p:nvPr/>
+        </p:nvSpPr>
+        <p:spPr>
+          <a:xfrm>
+            <a:off x="457200" y="3886200"/>
+            <a:ext cx="8229600" cy="365760"/>
+          </a:xfrm>
+          <a:prstGeom prst="rect">
+            <a:avLst/>
+          </a:prstGeom>
+          <a:noFill/>
+          <a:ln/>
+        </p:spPr>
+        <p:txBody>
+          <a:bodyPr wrap="square" rtlCol="0" anchor="ctr"/>
+          <a:lstStyle/>
+          <a:p>
+            <a:pPr algn="ctr" indent="0" marL="0">
+              <a:buNone/>
+            </a:pPr>
+            <a:r>
+              <a:rPr lang="en-US" sz="1300" dirty="0">
+                <a:solidFill>
+                  <a:srgbClr val="FFFFFF"/>
+                </a:solidFill>
+                <a:latin typeface="Arial" pitchFamily="34" charset="0"/>
+                <a:ea typeface="Arial" pitchFamily="34" charset="-122"/>
+                <a:cs typeface="Arial" pitchFamily="34" charset="-120"/>
+              </a:rPr>
+              <a:t>📤 Envie na área de atividades do Moodle</a:t>
+            </a:r>
+            <a:endParaRPr lang="en-US" sz="1300" dirty="0"/>
           </a:p>
         </p:txBody>
       </p:sp>
       <p:pic>
         <p:nvPicPr>
-          <p:cNvPr id="22" name="Image 0" descr="preencoded.png">    </p:cNvPr>
+          <p:cNvPr id="12" name="Image 0" descr="preencoded.png">    </p:cNvPr>
           <p:cNvPicPr>
             <a:picLocks noChangeAspect="1"/>
           </p:cNvPicPr>
@@ -6096,438 +4225,6 @@
                 <a:ea typeface="Arial" pitchFamily="34" charset="-122"/>
                 <a:cs typeface="Arial" pitchFamily="34" charset="-120"/>
               </a:rPr>
-              <a:t>📝 Atividade Prática</a:t>
-            </a:r>
-            <a:endParaRPr lang="en-US" sz="2000" dirty="0"/>
-          </a:p>
-        </p:txBody>
-      </p:sp>
-      <p:sp>
-        <p:nvSpPr>
-          <p:cNvPr id="4" name="Shape 2"/>
-          <p:cNvSpPr/>
-          <p:nvPr/>
-        </p:nvSpPr>
-        <p:spPr>
-          <a:xfrm>
-            <a:off x="457200" y="1005840"/>
-            <a:ext cx="8229600" cy="2560320"/>
-          </a:xfrm>
-          <a:prstGeom prst="roundRect">
-            <a:avLst/>
-          </a:prstGeom>
-          <a:solidFill>
-            <a:srgbClr val="2A2A4A"/>
-          </a:solidFill>
-          <a:ln w="38100">
-            <a:solidFill>
-              <a:srgbClr val="22C55E"/>
-            </a:solidFill>
-            <a:prstDash val="solid"/>
-          </a:ln>
-        </p:spPr>
-      </p:sp>
-      <p:sp>
-        <p:nvSpPr>
-          <p:cNvPr id="5" name="Shape 3"/>
-          <p:cNvSpPr/>
-          <p:nvPr/>
-        </p:nvSpPr>
-        <p:spPr>
-          <a:xfrm>
-            <a:off x="731520" y="1280160"/>
-            <a:ext cx="731520" cy="731520"/>
-          </a:xfrm>
-          <a:prstGeom prst="ellipse">
-            <a:avLst/>
-          </a:prstGeom>
-          <a:solidFill>
-            <a:srgbClr val="22C55E"/>
-          </a:solidFill>
-          <a:ln/>
-        </p:spPr>
-      </p:sp>
-      <p:sp>
-        <p:nvSpPr>
-          <p:cNvPr id="6" name="Text 4"/>
-          <p:cNvSpPr/>
-          <p:nvPr/>
-        </p:nvSpPr>
-        <p:spPr>
-          <a:xfrm>
-            <a:off x="731520" y="1371600"/>
-            <a:ext cx="731520" cy="548640"/>
-          </a:xfrm>
-          <a:prstGeom prst="rect">
-            <a:avLst/>
-          </a:prstGeom>
-          <a:noFill/>
-          <a:ln/>
-        </p:spPr>
-        <p:txBody>
-          <a:bodyPr wrap="square" rtlCol="0" anchor="ctr"/>
-          <a:lstStyle/>
-          <a:p>
-            <a:pPr algn="ctr" indent="0" marL="0">
-              <a:buNone/>
-            </a:pPr>
-            <a:r>
-              <a:rPr lang="en-US" sz="2800" b="1" dirty="0">
-                <a:solidFill>
-                  <a:srgbClr val="FFFFFF"/>
-                </a:solidFill>
-                <a:latin typeface="Arial" pitchFamily="34" charset="0"/>
-                <a:ea typeface="Arial" pitchFamily="34" charset="-122"/>
-                <a:cs typeface="Arial" pitchFamily="34" charset="-120"/>
-              </a:rPr>
-              <a:t>!</a:t>
-            </a:r>
-            <a:endParaRPr lang="en-US" sz="2800" dirty="0"/>
-          </a:p>
-        </p:txBody>
-      </p:sp>
-      <p:sp>
-        <p:nvSpPr>
-          <p:cNvPr id="7" name="Text 5"/>
-          <p:cNvSpPr/>
-          <p:nvPr/>
-        </p:nvSpPr>
-        <p:spPr>
-          <a:xfrm>
-            <a:off x="1645920" y="1280160"/>
-            <a:ext cx="6858000" cy="457200"/>
-          </a:xfrm>
-          <a:prstGeom prst="rect">
-            <a:avLst/>
-          </a:prstGeom>
-          <a:noFill/>
-          <a:ln/>
-        </p:spPr>
-        <p:txBody>
-          <a:bodyPr wrap="square" rtlCol="0" anchor="ctr"/>
-          <a:lstStyle/>
-          <a:p>
-            <a:pPr indent="0" marL="0">
-              <a:buNone/>
-            </a:pPr>
-            <a:r>
-              <a:rPr lang="en-US" sz="1600" b="1" dirty="0">
-                <a:solidFill>
-                  <a:srgbClr val="22C55E"/>
-                </a:solidFill>
-                <a:latin typeface="Arial" pitchFamily="34" charset="0"/>
-                <a:ea typeface="Arial" pitchFamily="34" charset="-122"/>
-                <a:cs typeface="Arial" pitchFamily="34" charset="-120"/>
-              </a:rPr>
-              <a:t>Sua Missão:</a:t>
-            </a:r>
-            <a:endParaRPr lang="en-US" sz="1600" dirty="0"/>
-          </a:p>
-        </p:txBody>
-      </p:sp>
-      <p:sp>
-        <p:nvSpPr>
-          <p:cNvPr id="8" name="Text 6"/>
-          <p:cNvSpPr/>
-          <p:nvPr/>
-        </p:nvSpPr>
-        <p:spPr>
-          <a:xfrm>
-            <a:off x="1645920" y="1737360"/>
-            <a:ext cx="6766560" cy="1645920"/>
-          </a:xfrm>
-          <a:prstGeom prst="rect">
-            <a:avLst/>
-          </a:prstGeom>
-          <a:noFill/>
-          <a:ln/>
-        </p:spPr>
-        <p:txBody>
-          <a:bodyPr wrap="square" rtlCol="0" anchor="t"/>
-          <a:lstStyle/>
-          <a:p>
-            <a:pPr indent="0" marL="0">
-              <a:buNone/>
-            </a:pPr>
-            <a:r>
-              <a:rPr lang="en-US" sz="1400" dirty="0">
-                <a:solidFill>
-                  <a:srgbClr val="FFFFFF"/>
-                </a:solidFill>
-                <a:latin typeface="Arial" pitchFamily="34" charset="0"/>
-                <a:ea typeface="Arial" pitchFamily="34" charset="-122"/>
-                <a:cs typeface="Arial" pitchFamily="34" charset="-120"/>
-              </a:rPr>
-              <a:t>Planejando Projeto Ultra-Aprendizado:</a:t>
-            </a:r>
-            <a:endParaRPr lang="en-US" sz="1400" dirty="0"/>
-          </a:p>
-          <a:p>
-            <a:pPr indent="0" marL="0">
-              <a:buNone/>
-            </a:pPr>
-            <a:endParaRPr lang="en-US" sz="1400" dirty="0"/>
-          </a:p>
-          <a:p>
-            <a:pPr indent="0" marL="0">
-              <a:buNone/>
-            </a:pPr>
-            <a:r>
-              <a:rPr lang="en-US" sz="1400" dirty="0">
-                <a:solidFill>
-                  <a:srgbClr val="FFFFFF"/>
-                </a:solidFill>
-                <a:latin typeface="Arial" pitchFamily="34" charset="0"/>
-                <a:ea typeface="Arial" pitchFamily="34" charset="-122"/>
-                <a:cs typeface="Arial" pitchFamily="34" charset="-120"/>
-              </a:rPr>
-              <a:t>1. Escolha um objetivo específico</a:t>
-            </a:r>
-            <a:endParaRPr lang="en-US" sz="1400" dirty="0"/>
-          </a:p>
-          <a:p>
-            <a:pPr indent="0" marL="0">
-              <a:buNone/>
-            </a:pPr>
-            <a:r>
-              <a:rPr lang="en-US" sz="1400" dirty="0">
-                <a:solidFill>
-                  <a:srgbClr val="FFFFFF"/>
-                </a:solidFill>
-                <a:latin typeface="Arial" pitchFamily="34" charset="0"/>
-                <a:ea typeface="Arial" pitchFamily="34" charset="-122"/>
-                <a:cs typeface="Arial" pitchFamily="34" charset="-120"/>
-              </a:rPr>
-              <a:t>2. Aplique metalearning: como outros aprenderam?</a:t>
-            </a:r>
-            <a:endParaRPr lang="en-US" sz="1400" dirty="0"/>
-          </a:p>
-          <a:p>
-            <a:pPr indent="0" marL="0">
-              <a:buNone/>
-            </a:pPr>
-            <a:r>
-              <a:rPr lang="en-US" sz="1400" dirty="0">
-                <a:solidFill>
-                  <a:srgbClr val="FFFFFF"/>
-                </a:solidFill>
-                <a:latin typeface="Arial" pitchFamily="34" charset="0"/>
-                <a:ea typeface="Arial" pitchFamily="34" charset="-122"/>
-                <a:cs typeface="Arial" pitchFamily="34" charset="-120"/>
-              </a:rPr>
-              <a:t>3. Defina: direcionamento, drilling, feedback</a:t>
-            </a:r>
-            <a:endParaRPr lang="en-US" sz="1400" dirty="0"/>
-          </a:p>
-          <a:p>
-            <a:pPr indent="0" marL="0">
-              <a:buNone/>
-            </a:pPr>
-            <a:r>
-              <a:rPr lang="en-US" sz="1400" dirty="0">
-                <a:solidFill>
-                  <a:srgbClr val="FFFFFF"/>
-                </a:solidFill>
-                <a:latin typeface="Arial" pitchFamily="34" charset="0"/>
-                <a:ea typeface="Arial" pitchFamily="34" charset="-122"/>
-                <a:cs typeface="Arial" pitchFamily="34" charset="-120"/>
-              </a:rPr>
-              <a:t>4. Crie plano de 2-4 semanas</a:t>
-            </a:r>
-            <a:endParaRPr lang="en-US" sz="1400" dirty="0"/>
-          </a:p>
-          <a:p>
-            <a:pPr indent="0" marL="0">
-              <a:buNone/>
-            </a:pPr>
-            <a:r>
-              <a:rPr lang="en-US" sz="1400" dirty="0">
-                <a:solidFill>
-                  <a:srgbClr val="FFFFFF"/>
-                </a:solidFill>
-                <a:latin typeface="Arial" pitchFamily="34" charset="0"/>
-                <a:ea typeface="Arial" pitchFamily="34" charset="-122"/>
-                <a:cs typeface="Arial" pitchFamily="34" charset="-120"/>
-              </a:rPr>
-              <a:t>5. Execute primeira semana e documente</a:t>
-            </a:r>
-            <a:endParaRPr lang="en-US" sz="1400" dirty="0"/>
-          </a:p>
-        </p:txBody>
-      </p:sp>
-      <p:sp>
-        <p:nvSpPr>
-          <p:cNvPr id="9" name="Shape 7"/>
-          <p:cNvSpPr/>
-          <p:nvPr/>
-        </p:nvSpPr>
-        <p:spPr>
-          <a:xfrm>
-            <a:off x="457200" y="3749040"/>
-            <a:ext cx="8229600" cy="640080"/>
-          </a:xfrm>
-          <a:prstGeom prst="roundRect">
-            <a:avLst/>
-          </a:prstGeom>
-          <a:solidFill>
-            <a:srgbClr val="1E3A5F"/>
-          </a:solidFill>
-          <a:ln w="12700">
-            <a:solidFill>
-              <a:srgbClr val="667EEA"/>
-            </a:solidFill>
-            <a:prstDash val="solid"/>
-          </a:ln>
-        </p:spPr>
-      </p:sp>
-      <p:sp>
-        <p:nvSpPr>
-          <p:cNvPr id="10" name="Text 8"/>
-          <p:cNvSpPr/>
-          <p:nvPr/>
-        </p:nvSpPr>
-        <p:spPr>
-          <a:xfrm>
-            <a:off x="457200" y="3886200"/>
-            <a:ext cx="8229600" cy="365760"/>
-          </a:xfrm>
-          <a:prstGeom prst="rect">
-            <a:avLst/>
-          </a:prstGeom>
-          <a:noFill/>
-          <a:ln/>
-        </p:spPr>
-        <p:txBody>
-          <a:bodyPr wrap="square" rtlCol="0" anchor="ctr"/>
-          <a:lstStyle/>
-          <a:p>
-            <a:pPr algn="ctr" indent="0" marL="0">
-              <a:buNone/>
-            </a:pPr>
-            <a:r>
-              <a:rPr lang="en-US" sz="1300" dirty="0">
-                <a:solidFill>
-                  <a:srgbClr val="FFFFFF"/>
-                </a:solidFill>
-                <a:latin typeface="Arial" pitchFamily="34" charset="0"/>
-                <a:ea typeface="Arial" pitchFamily="34" charset="-122"/>
-                <a:cs typeface="Arial" pitchFamily="34" charset="-120"/>
-              </a:rPr>
-              <a:t>📤 Envie na área de atividades do Moodle</a:t>
-            </a:r>
-            <a:endParaRPr lang="en-US" sz="1300" dirty="0"/>
-          </a:p>
-        </p:txBody>
-      </p:sp>
-      <p:pic>
-        <p:nvPicPr>
-          <p:cNvPr id="11" name="Image 0" descr="preencoded.png">    </p:cNvPr>
-          <p:cNvPicPr>
-            <a:picLocks noChangeAspect="1"/>
-          </p:cNvPicPr>
-          <p:nvPr/>
-        </p:nvPicPr>
-        <p:blipFill>
-          <a:blip r:embed="rId1"/>
-          <a:stretch>
-            <a:fillRect/>
-          </a:stretch>
-        </p:blipFill>
-        <p:spPr>
-          <a:xfrm>
-            <a:off x="7498080" y="4389120"/>
-            <a:ext cx="1371600" cy="548640"/>
-          </a:xfrm>
-          <a:prstGeom prst="rect">
-            <a:avLst/>
-          </a:prstGeom>
-        </p:spPr>
-      </p:pic>
-    </p:spTree>
-  </p:cSld>
-  <p:clrMapOvr>
-    <a:masterClrMapping/>
-  </p:clrMapOvr>
-</p:sld>
-</file>
-
-<file path=ppt/slides/slide9.xml><?xml version="1.0" encoding="utf-8"?>
-<p:sld xmlns:a="http://schemas.openxmlformats.org/drawingml/2006/main" xmlns:r="http://schemas.openxmlformats.org/officeDocument/2006/relationships" xmlns:p="http://schemas.openxmlformats.org/presentationml/2006/main">
-  <p:cSld name="Slide 9">
-    <p:bg>
-      <p:bgPr>
-        <a:solidFill>
-          <a:srgbClr val="1A1A2E"/>
-        </a:solidFill>
-      </p:bgPr>
-    </p:bg>
-    <p:spTree>
-      <p:nvGrpSpPr>
-        <p:cNvPr id="1" name=""/>
-        <p:cNvGrpSpPr/>
-        <p:nvPr/>
-      </p:nvGrpSpPr>
-      <p:grpSpPr>
-        <a:xfrm>
-          <a:off x="0" y="0"/>
-          <a:ext cx="0" cy="0"/>
-          <a:chOff x="0" y="0"/>
-          <a:chExt cx="0" cy="0"/>
-        </a:xfrm>
-      </p:grpSpPr>
-      <p:sp>
-        <p:nvSpPr>
-          <p:cNvPr id="2" name="Shape 0"/>
-          <p:cNvSpPr/>
-          <p:nvPr/>
-        </p:nvSpPr>
-        <p:spPr>
-          <a:xfrm>
-            <a:off x="0" y="0"/>
-            <a:ext cx="9144000" cy="822960"/>
-          </a:xfrm>
-          <a:prstGeom prst="rect">
-            <a:avLst/>
-          </a:prstGeom>
-          <a:solidFill>
-            <a:srgbClr val="0F172A"/>
-          </a:solidFill>
-          <a:ln/>
-        </p:spPr>
-      </p:sp>
-      <p:sp>
-        <p:nvSpPr>
-          <p:cNvPr id="3" name="Text 1"/>
-          <p:cNvSpPr/>
-          <p:nvPr/>
-        </p:nvSpPr>
-        <p:spPr>
-          <a:xfrm>
-            <a:off x="457200" y="228600"/>
-            <a:ext cx="8229600" cy="457200"/>
-          </a:xfrm>
-          <a:prstGeom prst="rect">
-            <a:avLst/>
-          </a:prstGeom>
-          <a:noFill/>
-          <a:ln/>
-        </p:spPr>
-        <p:txBody>
-          <a:bodyPr wrap="square" rtlCol="0" anchor="ctr"/>
-          <a:lstStyle/>
-          <a:p>
-            <a:pPr indent="0" marL="0">
-              <a:buNone/>
-            </a:pPr>
-            <a:r>
-              <a:rPr lang="en-US" sz="2000" b="1" dirty="0">
-                <a:solidFill>
-                  <a:srgbClr val="FFFFFF"/>
-                </a:solidFill>
-                <a:latin typeface="Arial" pitchFamily="34" charset="0"/>
-                <a:ea typeface="Arial" pitchFamily="34" charset="-122"/>
-                <a:cs typeface="Arial" pitchFamily="34" charset="-120"/>
-              </a:rPr>
               <a:t>Aula 28 - Encerramento</a:t>
             </a:r>
             <a:endParaRPr lang="en-US" sz="2000" dirty="0"/>
@@ -6797,7 +4494,7 @@
       </p:sp>
       <p:pic>
         <p:nvPicPr>
-          <p:cNvPr id="13" name="Image 0" descr="preencoded.png">    </p:cNvPr>
+          <p:cNvPr id="14" name="Image 0" descr="preencoded.png">    </p:cNvPr>
           <p:cNvPicPr>
             <a:picLocks noChangeAspect="1"/>
           </p:cNvPicPr>
